--- a/4aMostraEPE/MostraDigitalEPE_modelo-Pesquisa.pptx
+++ b/4aMostraEPE/MostraDigitalEPE_modelo-Pesquisa.pptx
@@ -60,7 +60,7 @@
       </p:grpSpPr>
       <p:sp>
         <p:nvSpPr>
-          <p:cNvPr id="26" name="PlaceHolder 1"/>
+          <p:cNvPr id="23" name="PlaceHolder 1"/>
           <p:cNvSpPr>
             <a:spLocks noGrp="1"/>
           </p:cNvSpPr>
@@ -71,7 +71,7 @@
         <p:spPr>
           <a:xfrm>
             <a:off x="1523880" y="1122480"/>
-            <a:ext cx="9143640" cy="2387160"/>
+            <a:ext cx="9143280" cy="2386800"/>
           </a:xfrm>
           <a:prstGeom prst="rect">
             <a:avLst/>
@@ -86,14 +86,14 @@
               <a:solidFill>
                 <a:srgbClr val="000000"/>
               </a:solidFill>
-              <a:latin typeface="Calibri"/>
-            </a:endParaRPr>
-          </a:p>
-        </p:txBody>
-      </p:sp>
-      <p:sp>
-        <p:nvSpPr>
-          <p:cNvPr id="27" name="PlaceHolder 2"/>
+              <a:latin typeface="Arial"/>
+            </a:endParaRPr>
+          </a:p>
+        </p:txBody>
+      </p:sp>
+      <p:sp>
+        <p:nvSpPr>
+          <p:cNvPr id="24" name="PlaceHolder 2"/>
           <p:cNvSpPr>
             <a:spLocks noGrp="1"/>
           </p:cNvSpPr>
@@ -119,14 +119,14 @@
               <a:solidFill>
                 <a:srgbClr val="000000"/>
               </a:solidFill>
-              <a:latin typeface="Calibri"/>
-            </a:endParaRPr>
-          </a:p>
-        </p:txBody>
-      </p:sp>
-      <p:sp>
-        <p:nvSpPr>
-          <p:cNvPr id="28" name="PlaceHolder 3"/>
+              <a:latin typeface="Arial"/>
+            </a:endParaRPr>
+          </a:p>
+        </p:txBody>
+      </p:sp>
+      <p:sp>
+        <p:nvSpPr>
+          <p:cNvPr id="25" name="PlaceHolder 3"/>
           <p:cNvSpPr>
             <a:spLocks noGrp="1"/>
           </p:cNvSpPr>
@@ -152,7 +152,7 @@
               <a:solidFill>
                 <a:srgbClr val="000000"/>
               </a:solidFill>
-              <a:latin typeface="Calibri"/>
+              <a:latin typeface="Arial"/>
             </a:endParaRPr>
           </a:p>
         </p:txBody>
@@ -181,7 +181,7 @@
       </p:grpSpPr>
       <p:sp>
         <p:nvSpPr>
-          <p:cNvPr id="29" name="PlaceHolder 1"/>
+          <p:cNvPr id="26" name="PlaceHolder 1"/>
           <p:cNvSpPr>
             <a:spLocks noGrp="1"/>
           </p:cNvSpPr>
@@ -192,7 +192,7 @@
         <p:spPr>
           <a:xfrm>
             <a:off x="1523880" y="1122480"/>
-            <a:ext cx="9143640" cy="2387160"/>
+            <a:ext cx="9143280" cy="2386800"/>
           </a:xfrm>
           <a:prstGeom prst="rect">
             <a:avLst/>
@@ -207,14 +207,14 @@
               <a:solidFill>
                 <a:srgbClr val="000000"/>
               </a:solidFill>
-              <a:latin typeface="Calibri"/>
-            </a:endParaRPr>
-          </a:p>
-        </p:txBody>
-      </p:sp>
-      <p:sp>
-        <p:nvSpPr>
-          <p:cNvPr id="30" name="PlaceHolder 2"/>
+              <a:latin typeface="Arial"/>
+            </a:endParaRPr>
+          </a:p>
+        </p:txBody>
+      </p:sp>
+      <p:sp>
+        <p:nvSpPr>
+          <p:cNvPr id="27" name="PlaceHolder 2"/>
           <p:cNvSpPr>
             <a:spLocks noGrp="1"/>
           </p:cNvSpPr>
@@ -240,14 +240,14 @@
               <a:solidFill>
                 <a:srgbClr val="000000"/>
               </a:solidFill>
-              <a:latin typeface="Calibri"/>
-            </a:endParaRPr>
-          </a:p>
-        </p:txBody>
-      </p:sp>
-      <p:sp>
-        <p:nvSpPr>
-          <p:cNvPr id="31" name="PlaceHolder 3"/>
+              <a:latin typeface="Arial"/>
+            </a:endParaRPr>
+          </a:p>
+        </p:txBody>
+      </p:sp>
+      <p:sp>
+        <p:nvSpPr>
+          <p:cNvPr id="28" name="PlaceHolder 3"/>
           <p:cNvSpPr>
             <a:spLocks noGrp="1"/>
           </p:cNvSpPr>
@@ -273,14 +273,14 @@
               <a:solidFill>
                 <a:srgbClr val="000000"/>
               </a:solidFill>
-              <a:latin typeface="Calibri"/>
-            </a:endParaRPr>
-          </a:p>
-        </p:txBody>
-      </p:sp>
-      <p:sp>
-        <p:nvSpPr>
-          <p:cNvPr id="32" name="PlaceHolder 4"/>
+              <a:latin typeface="Arial"/>
+            </a:endParaRPr>
+          </a:p>
+        </p:txBody>
+      </p:sp>
+      <p:sp>
+        <p:nvSpPr>
+          <p:cNvPr id="29" name="PlaceHolder 4"/>
           <p:cNvSpPr>
             <a:spLocks noGrp="1"/>
           </p:cNvSpPr>
@@ -306,14 +306,14 @@
               <a:solidFill>
                 <a:srgbClr val="000000"/>
               </a:solidFill>
-              <a:latin typeface="Calibri"/>
-            </a:endParaRPr>
-          </a:p>
-        </p:txBody>
-      </p:sp>
-      <p:sp>
-        <p:nvSpPr>
-          <p:cNvPr id="33" name="PlaceHolder 5"/>
+              <a:latin typeface="Arial"/>
+            </a:endParaRPr>
+          </a:p>
+        </p:txBody>
+      </p:sp>
+      <p:sp>
+        <p:nvSpPr>
+          <p:cNvPr id="30" name="PlaceHolder 5"/>
           <p:cNvSpPr>
             <a:spLocks noGrp="1"/>
           </p:cNvSpPr>
@@ -339,7 +339,7 @@
               <a:solidFill>
                 <a:srgbClr val="000000"/>
               </a:solidFill>
-              <a:latin typeface="Calibri"/>
+              <a:latin typeface="Arial"/>
             </a:endParaRPr>
           </a:p>
         </p:txBody>
@@ -368,7 +368,7 @@
       </p:grpSpPr>
       <p:sp>
         <p:nvSpPr>
-          <p:cNvPr id="34" name="PlaceHolder 1"/>
+          <p:cNvPr id="31" name="PlaceHolder 1"/>
           <p:cNvSpPr>
             <a:spLocks noGrp="1"/>
           </p:cNvSpPr>
@@ -379,7 +379,7 @@
         <p:spPr>
           <a:xfrm>
             <a:off x="1523880" y="1122480"/>
-            <a:ext cx="9143640" cy="2387160"/>
+            <a:ext cx="9143280" cy="2386800"/>
           </a:xfrm>
           <a:prstGeom prst="rect">
             <a:avLst/>
@@ -394,14 +394,14 @@
               <a:solidFill>
                 <a:srgbClr val="000000"/>
               </a:solidFill>
-              <a:latin typeface="Calibri"/>
-            </a:endParaRPr>
-          </a:p>
-        </p:txBody>
-      </p:sp>
-      <p:sp>
-        <p:nvSpPr>
-          <p:cNvPr id="35" name="PlaceHolder 2"/>
+              <a:latin typeface="Arial"/>
+            </a:endParaRPr>
+          </a:p>
+        </p:txBody>
+      </p:sp>
+      <p:sp>
+        <p:nvSpPr>
+          <p:cNvPr id="32" name="PlaceHolder 2"/>
           <p:cNvSpPr>
             <a:spLocks noGrp="1"/>
           </p:cNvSpPr>
@@ -427,14 +427,14 @@
               <a:solidFill>
                 <a:srgbClr val="000000"/>
               </a:solidFill>
-              <a:latin typeface="Calibri"/>
-            </a:endParaRPr>
-          </a:p>
-        </p:txBody>
-      </p:sp>
-      <p:sp>
-        <p:nvSpPr>
-          <p:cNvPr id="36" name="PlaceHolder 3"/>
+              <a:latin typeface="Arial"/>
+            </a:endParaRPr>
+          </a:p>
+        </p:txBody>
+      </p:sp>
+      <p:sp>
+        <p:nvSpPr>
+          <p:cNvPr id="33" name="PlaceHolder 3"/>
           <p:cNvSpPr>
             <a:spLocks noGrp="1"/>
           </p:cNvSpPr>
@@ -460,14 +460,14 @@
               <a:solidFill>
                 <a:srgbClr val="000000"/>
               </a:solidFill>
-              <a:latin typeface="Calibri"/>
-            </a:endParaRPr>
-          </a:p>
-        </p:txBody>
-      </p:sp>
-      <p:sp>
-        <p:nvSpPr>
-          <p:cNvPr id="37" name="PlaceHolder 4"/>
+              <a:latin typeface="Arial"/>
+            </a:endParaRPr>
+          </a:p>
+        </p:txBody>
+      </p:sp>
+      <p:sp>
+        <p:nvSpPr>
+          <p:cNvPr id="34" name="PlaceHolder 4"/>
           <p:cNvSpPr>
             <a:spLocks noGrp="1"/>
           </p:cNvSpPr>
@@ -493,14 +493,14 @@
               <a:solidFill>
                 <a:srgbClr val="000000"/>
               </a:solidFill>
-              <a:latin typeface="Calibri"/>
-            </a:endParaRPr>
-          </a:p>
-        </p:txBody>
-      </p:sp>
-      <p:sp>
-        <p:nvSpPr>
-          <p:cNvPr id="38" name="PlaceHolder 5"/>
+              <a:latin typeface="Arial"/>
+            </a:endParaRPr>
+          </a:p>
+        </p:txBody>
+      </p:sp>
+      <p:sp>
+        <p:nvSpPr>
+          <p:cNvPr id="35" name="PlaceHolder 5"/>
           <p:cNvSpPr>
             <a:spLocks noGrp="1"/>
           </p:cNvSpPr>
@@ -526,14 +526,14 @@
               <a:solidFill>
                 <a:srgbClr val="000000"/>
               </a:solidFill>
-              <a:latin typeface="Calibri"/>
-            </a:endParaRPr>
-          </a:p>
-        </p:txBody>
-      </p:sp>
-      <p:sp>
-        <p:nvSpPr>
-          <p:cNvPr id="39" name="PlaceHolder 6"/>
+              <a:latin typeface="Arial"/>
+            </a:endParaRPr>
+          </a:p>
+        </p:txBody>
+      </p:sp>
+      <p:sp>
+        <p:nvSpPr>
+          <p:cNvPr id="36" name="PlaceHolder 6"/>
           <p:cNvSpPr>
             <a:spLocks noGrp="1"/>
           </p:cNvSpPr>
@@ -559,14 +559,14 @@
               <a:solidFill>
                 <a:srgbClr val="000000"/>
               </a:solidFill>
-              <a:latin typeface="Calibri"/>
-            </a:endParaRPr>
-          </a:p>
-        </p:txBody>
-      </p:sp>
-      <p:sp>
-        <p:nvSpPr>
-          <p:cNvPr id="40" name="PlaceHolder 7"/>
+              <a:latin typeface="Arial"/>
+            </a:endParaRPr>
+          </a:p>
+        </p:txBody>
+      </p:sp>
+      <p:sp>
+        <p:nvSpPr>
+          <p:cNvPr id="37" name="PlaceHolder 7"/>
           <p:cNvSpPr>
             <a:spLocks noGrp="1"/>
           </p:cNvSpPr>
@@ -592,7 +592,7 @@
               <a:solidFill>
                 <a:srgbClr val="000000"/>
               </a:solidFill>
-              <a:latin typeface="Calibri"/>
+              <a:latin typeface="Arial"/>
             </a:endParaRPr>
           </a:p>
         </p:txBody>
@@ -621,7 +621,7 @@
       </p:grpSpPr>
       <p:sp>
         <p:nvSpPr>
-          <p:cNvPr id="5" name="PlaceHolder 1"/>
+          <p:cNvPr id="2" name="PlaceHolder 1"/>
           <p:cNvSpPr>
             <a:spLocks noGrp="1"/>
           </p:cNvSpPr>
@@ -632,7 +632,7 @@
         <p:spPr>
           <a:xfrm>
             <a:off x="1523880" y="1122480"/>
-            <a:ext cx="9143640" cy="2387160"/>
+            <a:ext cx="9143280" cy="2386800"/>
           </a:xfrm>
           <a:prstGeom prst="rect">
             <a:avLst/>
@@ -647,14 +647,14 @@
               <a:solidFill>
                 <a:srgbClr val="000000"/>
               </a:solidFill>
-              <a:latin typeface="Calibri"/>
-            </a:endParaRPr>
-          </a:p>
-        </p:txBody>
-      </p:sp>
-      <p:sp>
-        <p:nvSpPr>
-          <p:cNvPr id="6" name="PlaceHolder 2"/>
+              <a:latin typeface="Arial"/>
+            </a:endParaRPr>
+          </a:p>
+        </p:txBody>
+      </p:sp>
+      <p:sp>
+        <p:nvSpPr>
+          <p:cNvPr id="3" name="PlaceHolder 2"/>
           <p:cNvSpPr>
             <a:spLocks noGrp="1"/>
           </p:cNvSpPr>
@@ -707,7 +707,7 @@
       </p:grpSpPr>
       <p:sp>
         <p:nvSpPr>
-          <p:cNvPr id="7" name="PlaceHolder 1"/>
+          <p:cNvPr id="4" name="PlaceHolder 1"/>
           <p:cNvSpPr>
             <a:spLocks noGrp="1"/>
           </p:cNvSpPr>
@@ -718,7 +718,7 @@
         <p:spPr>
           <a:xfrm>
             <a:off x="1523880" y="1122480"/>
-            <a:ext cx="9143640" cy="2387160"/>
+            <a:ext cx="9143280" cy="2386800"/>
           </a:xfrm>
           <a:prstGeom prst="rect">
             <a:avLst/>
@@ -733,14 +733,14 @@
               <a:solidFill>
                 <a:srgbClr val="000000"/>
               </a:solidFill>
-              <a:latin typeface="Calibri"/>
-            </a:endParaRPr>
-          </a:p>
-        </p:txBody>
-      </p:sp>
-      <p:sp>
-        <p:nvSpPr>
-          <p:cNvPr id="8" name="PlaceHolder 2"/>
+              <a:latin typeface="Arial"/>
+            </a:endParaRPr>
+          </a:p>
+        </p:txBody>
+      </p:sp>
+      <p:sp>
+        <p:nvSpPr>
+          <p:cNvPr id="5" name="PlaceHolder 2"/>
           <p:cNvSpPr>
             <a:spLocks noGrp="1"/>
           </p:cNvSpPr>
@@ -766,7 +766,7 @@
               <a:solidFill>
                 <a:srgbClr val="000000"/>
               </a:solidFill>
-              <a:latin typeface="Calibri"/>
+              <a:latin typeface="Arial"/>
             </a:endParaRPr>
           </a:p>
         </p:txBody>
@@ -795,7 +795,7 @@
       </p:grpSpPr>
       <p:sp>
         <p:nvSpPr>
-          <p:cNvPr id="9" name="PlaceHolder 1"/>
+          <p:cNvPr id="6" name="PlaceHolder 1"/>
           <p:cNvSpPr>
             <a:spLocks noGrp="1"/>
           </p:cNvSpPr>
@@ -806,7 +806,7 @@
         <p:spPr>
           <a:xfrm>
             <a:off x="1523880" y="1122480"/>
-            <a:ext cx="9143640" cy="2387160"/>
+            <a:ext cx="9143280" cy="2386800"/>
           </a:xfrm>
           <a:prstGeom prst="rect">
             <a:avLst/>
@@ -821,14 +821,14 @@
               <a:solidFill>
                 <a:srgbClr val="000000"/>
               </a:solidFill>
-              <a:latin typeface="Calibri"/>
-            </a:endParaRPr>
-          </a:p>
-        </p:txBody>
-      </p:sp>
-      <p:sp>
-        <p:nvSpPr>
-          <p:cNvPr id="10" name="PlaceHolder 2"/>
+              <a:latin typeface="Arial"/>
+            </a:endParaRPr>
+          </a:p>
+        </p:txBody>
+      </p:sp>
+      <p:sp>
+        <p:nvSpPr>
+          <p:cNvPr id="7" name="PlaceHolder 2"/>
           <p:cNvSpPr>
             <a:spLocks noGrp="1"/>
           </p:cNvSpPr>
@@ -854,14 +854,14 @@
               <a:solidFill>
                 <a:srgbClr val="000000"/>
               </a:solidFill>
-              <a:latin typeface="Calibri"/>
-            </a:endParaRPr>
-          </a:p>
-        </p:txBody>
-      </p:sp>
-      <p:sp>
-        <p:nvSpPr>
-          <p:cNvPr id="11" name="PlaceHolder 3"/>
+              <a:latin typeface="Arial"/>
+            </a:endParaRPr>
+          </a:p>
+        </p:txBody>
+      </p:sp>
+      <p:sp>
+        <p:nvSpPr>
+          <p:cNvPr id="8" name="PlaceHolder 3"/>
           <p:cNvSpPr>
             <a:spLocks noGrp="1"/>
           </p:cNvSpPr>
@@ -887,7 +887,7 @@
               <a:solidFill>
                 <a:srgbClr val="000000"/>
               </a:solidFill>
-              <a:latin typeface="Calibri"/>
+              <a:latin typeface="Arial"/>
             </a:endParaRPr>
           </a:p>
         </p:txBody>
@@ -916,7 +916,7 @@
       </p:grpSpPr>
       <p:sp>
         <p:nvSpPr>
-          <p:cNvPr id="12" name="PlaceHolder 1"/>
+          <p:cNvPr id="9" name="PlaceHolder 1"/>
           <p:cNvSpPr>
             <a:spLocks noGrp="1"/>
           </p:cNvSpPr>
@@ -927,7 +927,7 @@
         <p:spPr>
           <a:xfrm>
             <a:off x="1523880" y="1122480"/>
-            <a:ext cx="9143640" cy="2387160"/>
+            <a:ext cx="9143280" cy="2386800"/>
           </a:xfrm>
           <a:prstGeom prst="rect">
             <a:avLst/>
@@ -942,7 +942,7 @@
               <a:solidFill>
                 <a:srgbClr val="000000"/>
               </a:solidFill>
-              <a:latin typeface="Calibri"/>
+              <a:latin typeface="Arial"/>
             </a:endParaRPr>
           </a:p>
         </p:txBody>
@@ -971,7 +971,7 @@
       </p:grpSpPr>
       <p:sp>
         <p:nvSpPr>
-          <p:cNvPr id="13" name="PlaceHolder 1"/>
+          <p:cNvPr id="10" name="PlaceHolder 1"/>
           <p:cNvSpPr>
             <a:spLocks noGrp="1"/>
           </p:cNvSpPr>
@@ -982,7 +982,7 @@
         <p:spPr>
           <a:xfrm>
             <a:off x="1523880" y="1122480"/>
-            <a:ext cx="9143640" cy="11066760"/>
+            <a:ext cx="9143280" cy="11064960"/>
           </a:xfrm>
           <a:prstGeom prst="rect">
             <a:avLst/>
@@ -1024,7 +1024,7 @@
       </p:grpSpPr>
       <p:sp>
         <p:nvSpPr>
-          <p:cNvPr id="14" name="PlaceHolder 1"/>
+          <p:cNvPr id="11" name="PlaceHolder 1"/>
           <p:cNvSpPr>
             <a:spLocks noGrp="1"/>
           </p:cNvSpPr>
@@ -1035,7 +1035,7 @@
         <p:spPr>
           <a:xfrm>
             <a:off x="1523880" y="1122480"/>
-            <a:ext cx="9143640" cy="2387160"/>
+            <a:ext cx="9143280" cy="2386800"/>
           </a:xfrm>
           <a:prstGeom prst="rect">
             <a:avLst/>
@@ -1050,14 +1050,14 @@
               <a:solidFill>
                 <a:srgbClr val="000000"/>
               </a:solidFill>
-              <a:latin typeface="Calibri"/>
-            </a:endParaRPr>
-          </a:p>
-        </p:txBody>
-      </p:sp>
-      <p:sp>
-        <p:nvSpPr>
-          <p:cNvPr id="15" name="PlaceHolder 2"/>
+              <a:latin typeface="Arial"/>
+            </a:endParaRPr>
+          </a:p>
+        </p:txBody>
+      </p:sp>
+      <p:sp>
+        <p:nvSpPr>
+          <p:cNvPr id="12" name="PlaceHolder 2"/>
           <p:cNvSpPr>
             <a:spLocks noGrp="1"/>
           </p:cNvSpPr>
@@ -1083,14 +1083,14 @@
               <a:solidFill>
                 <a:srgbClr val="000000"/>
               </a:solidFill>
-              <a:latin typeface="Calibri"/>
-            </a:endParaRPr>
-          </a:p>
-        </p:txBody>
-      </p:sp>
-      <p:sp>
-        <p:nvSpPr>
-          <p:cNvPr id="16" name="PlaceHolder 3"/>
+              <a:latin typeface="Arial"/>
+            </a:endParaRPr>
+          </a:p>
+        </p:txBody>
+      </p:sp>
+      <p:sp>
+        <p:nvSpPr>
+          <p:cNvPr id="13" name="PlaceHolder 3"/>
           <p:cNvSpPr>
             <a:spLocks noGrp="1"/>
           </p:cNvSpPr>
@@ -1116,14 +1116,14 @@
               <a:solidFill>
                 <a:srgbClr val="000000"/>
               </a:solidFill>
-              <a:latin typeface="Calibri"/>
-            </a:endParaRPr>
-          </a:p>
-        </p:txBody>
-      </p:sp>
-      <p:sp>
-        <p:nvSpPr>
-          <p:cNvPr id="17" name="PlaceHolder 4"/>
+              <a:latin typeface="Arial"/>
+            </a:endParaRPr>
+          </a:p>
+        </p:txBody>
+      </p:sp>
+      <p:sp>
+        <p:nvSpPr>
+          <p:cNvPr id="14" name="PlaceHolder 4"/>
           <p:cNvSpPr>
             <a:spLocks noGrp="1"/>
           </p:cNvSpPr>
@@ -1149,7 +1149,7 @@
               <a:solidFill>
                 <a:srgbClr val="000000"/>
               </a:solidFill>
-              <a:latin typeface="Calibri"/>
+              <a:latin typeface="Arial"/>
             </a:endParaRPr>
           </a:p>
         </p:txBody>
@@ -1178,7 +1178,7 @@
       </p:grpSpPr>
       <p:sp>
         <p:nvSpPr>
-          <p:cNvPr id="18" name="PlaceHolder 1"/>
+          <p:cNvPr id="15" name="PlaceHolder 1"/>
           <p:cNvSpPr>
             <a:spLocks noGrp="1"/>
           </p:cNvSpPr>
@@ -1189,7 +1189,7 @@
         <p:spPr>
           <a:xfrm>
             <a:off x="1523880" y="1122480"/>
-            <a:ext cx="9143640" cy="2387160"/>
+            <a:ext cx="9143280" cy="2386800"/>
           </a:xfrm>
           <a:prstGeom prst="rect">
             <a:avLst/>
@@ -1204,14 +1204,14 @@
               <a:solidFill>
                 <a:srgbClr val="000000"/>
               </a:solidFill>
-              <a:latin typeface="Calibri"/>
-            </a:endParaRPr>
-          </a:p>
-        </p:txBody>
-      </p:sp>
-      <p:sp>
-        <p:nvSpPr>
-          <p:cNvPr id="19" name="PlaceHolder 2"/>
+              <a:latin typeface="Arial"/>
+            </a:endParaRPr>
+          </a:p>
+        </p:txBody>
+      </p:sp>
+      <p:sp>
+        <p:nvSpPr>
+          <p:cNvPr id="16" name="PlaceHolder 2"/>
           <p:cNvSpPr>
             <a:spLocks noGrp="1"/>
           </p:cNvSpPr>
@@ -1237,14 +1237,14 @@
               <a:solidFill>
                 <a:srgbClr val="000000"/>
               </a:solidFill>
-              <a:latin typeface="Calibri"/>
-            </a:endParaRPr>
-          </a:p>
-        </p:txBody>
-      </p:sp>
-      <p:sp>
-        <p:nvSpPr>
-          <p:cNvPr id="20" name="PlaceHolder 3"/>
+              <a:latin typeface="Arial"/>
+            </a:endParaRPr>
+          </a:p>
+        </p:txBody>
+      </p:sp>
+      <p:sp>
+        <p:nvSpPr>
+          <p:cNvPr id="17" name="PlaceHolder 3"/>
           <p:cNvSpPr>
             <a:spLocks noGrp="1"/>
           </p:cNvSpPr>
@@ -1270,14 +1270,14 @@
               <a:solidFill>
                 <a:srgbClr val="000000"/>
               </a:solidFill>
-              <a:latin typeface="Calibri"/>
-            </a:endParaRPr>
-          </a:p>
-        </p:txBody>
-      </p:sp>
-      <p:sp>
-        <p:nvSpPr>
-          <p:cNvPr id="21" name="PlaceHolder 4"/>
+              <a:latin typeface="Arial"/>
+            </a:endParaRPr>
+          </a:p>
+        </p:txBody>
+      </p:sp>
+      <p:sp>
+        <p:nvSpPr>
+          <p:cNvPr id="18" name="PlaceHolder 4"/>
           <p:cNvSpPr>
             <a:spLocks noGrp="1"/>
           </p:cNvSpPr>
@@ -1303,7 +1303,7 @@
               <a:solidFill>
                 <a:srgbClr val="000000"/>
               </a:solidFill>
-              <a:latin typeface="Calibri"/>
+              <a:latin typeface="Arial"/>
             </a:endParaRPr>
           </a:p>
         </p:txBody>
@@ -1332,7 +1332,7 @@
       </p:grpSpPr>
       <p:sp>
         <p:nvSpPr>
-          <p:cNvPr id="22" name="PlaceHolder 1"/>
+          <p:cNvPr id="19" name="PlaceHolder 1"/>
           <p:cNvSpPr>
             <a:spLocks noGrp="1"/>
           </p:cNvSpPr>
@@ -1343,7 +1343,7 @@
         <p:spPr>
           <a:xfrm>
             <a:off x="1523880" y="1122480"/>
-            <a:ext cx="9143640" cy="2387160"/>
+            <a:ext cx="9143280" cy="2386800"/>
           </a:xfrm>
           <a:prstGeom prst="rect">
             <a:avLst/>
@@ -1358,14 +1358,14 @@
               <a:solidFill>
                 <a:srgbClr val="000000"/>
               </a:solidFill>
-              <a:latin typeface="Calibri"/>
-            </a:endParaRPr>
-          </a:p>
-        </p:txBody>
-      </p:sp>
-      <p:sp>
-        <p:nvSpPr>
-          <p:cNvPr id="23" name="PlaceHolder 2"/>
+              <a:latin typeface="Arial"/>
+            </a:endParaRPr>
+          </a:p>
+        </p:txBody>
+      </p:sp>
+      <p:sp>
+        <p:nvSpPr>
+          <p:cNvPr id="20" name="PlaceHolder 2"/>
           <p:cNvSpPr>
             <a:spLocks noGrp="1"/>
           </p:cNvSpPr>
@@ -1391,14 +1391,14 @@
               <a:solidFill>
                 <a:srgbClr val="000000"/>
               </a:solidFill>
-              <a:latin typeface="Calibri"/>
-            </a:endParaRPr>
-          </a:p>
-        </p:txBody>
-      </p:sp>
-      <p:sp>
-        <p:nvSpPr>
-          <p:cNvPr id="24" name="PlaceHolder 3"/>
+              <a:latin typeface="Arial"/>
+            </a:endParaRPr>
+          </a:p>
+        </p:txBody>
+      </p:sp>
+      <p:sp>
+        <p:nvSpPr>
+          <p:cNvPr id="21" name="PlaceHolder 3"/>
           <p:cNvSpPr>
             <a:spLocks noGrp="1"/>
           </p:cNvSpPr>
@@ -1424,14 +1424,14 @@
               <a:solidFill>
                 <a:srgbClr val="000000"/>
               </a:solidFill>
-              <a:latin typeface="Calibri"/>
-            </a:endParaRPr>
-          </a:p>
-        </p:txBody>
-      </p:sp>
-      <p:sp>
-        <p:nvSpPr>
-          <p:cNvPr id="25" name="PlaceHolder 4"/>
+              <a:latin typeface="Arial"/>
+            </a:endParaRPr>
+          </a:p>
+        </p:txBody>
+      </p:sp>
+      <p:sp>
+        <p:nvSpPr>
+          <p:cNvPr id="22" name="PlaceHolder 4"/>
           <p:cNvSpPr>
             <a:spLocks noGrp="1"/>
           </p:cNvSpPr>
@@ -1457,7 +1457,7 @@
               <a:solidFill>
                 <a:srgbClr val="000000"/>
               </a:solidFill>
-              <a:latin typeface="Calibri"/>
+              <a:latin typeface="Arial"/>
             </a:endParaRPr>
           </a:p>
         </p:txBody>
@@ -1504,36 +1504,32 @@
         <p:spPr>
           <a:xfrm>
             <a:off x="1523880" y="1122480"/>
-            <a:ext cx="9143640" cy="2387160"/>
-          </a:xfrm>
-          <a:prstGeom prst="rect">
-            <a:avLst/>
-          </a:prstGeom>
-        </p:spPr>
-        <p:txBody>
-          <a:bodyPr anchor="b">
+            <a:ext cx="9143280" cy="2386800"/>
+          </a:xfrm>
+          <a:prstGeom prst="rect">
+            <a:avLst/>
+          </a:prstGeom>
+        </p:spPr>
+        <p:txBody>
+          <a:bodyPr lIns="0" rIns="0" tIns="0" bIns="0" anchor="ctr">
             <a:noAutofit/>
           </a:bodyPr>
           <a:p>
-            <a:pPr algn="ctr">
-              <a:lnSpc>
-                <a:spcPct val="90000"/>
-              </a:lnSpc>
-            </a:pPr>
-            <a:r>
-              <a:rPr b="0" lang="pt-BR" sz="6000" spc="-1" strike="noStrike">
-                <a:solidFill>
-                  <a:srgbClr val="000000"/>
-                </a:solidFill>
-                <a:latin typeface="Calibri Light"/>
-              </a:rPr>
-              <a:t>Clique para editar o título Mestre</a:t>
-            </a:r>
-            <a:endParaRPr b="0" lang="pt-BR" sz="6000" spc="-1" strike="noStrike">
+            <a:pPr algn="ctr"/>
+            <a:r>
+              <a:rPr b="0" lang="pt-BR" sz="4400" spc="-1" strike="noStrike">
+                <a:solidFill>
+                  <a:srgbClr val="000000"/>
+                </a:solidFill>
+                <a:latin typeface="Arial"/>
+              </a:rPr>
+              <a:t>Click to edit the title text format</a:t>
+            </a:r>
+            <a:endParaRPr b="0" lang="pt-BR" sz="4400" spc="-1" strike="noStrike">
               <a:solidFill>
                 <a:srgbClr val="000000"/>
               </a:solidFill>
-              <a:latin typeface="Calibri"/>
+              <a:latin typeface="Arial"/>
             </a:endParaRPr>
           </a:p>
         </p:txBody>
@@ -1541,124 +1537,6 @@
       <p:sp>
         <p:nvSpPr>
           <p:cNvPr id="1" name="PlaceHolder 2"/>
-          <p:cNvSpPr>
-            <a:spLocks noGrp="1"/>
-          </p:cNvSpPr>
-          <p:nvPr>
-            <p:ph type="dt"/>
-          </p:nvPr>
-        </p:nvSpPr>
-        <p:spPr>
-          <a:xfrm>
-            <a:off x="838080" y="6356520"/>
-            <a:ext cx="2742840" cy="364680"/>
-          </a:xfrm>
-          <a:prstGeom prst="rect">
-            <a:avLst/>
-          </a:prstGeom>
-        </p:spPr>
-        <p:txBody>
-          <a:bodyPr anchor="ctr">
-            <a:noAutofit/>
-          </a:bodyPr>
-          <a:p>
-            <a:pPr>
-              <a:lnSpc>
-                <a:spcPct val="100000"/>
-              </a:lnSpc>
-            </a:pPr>
-            <a:fld id="{282D3199-B62F-4E56-8D31-CCC7D162E0CE}" type="datetime">
-              <a:rPr b="0" lang="pt-BR" sz="1200" spc="-1" strike="noStrike">
-                <a:solidFill>
-                  <a:srgbClr val="8b8b8b"/>
-                </a:solidFill>
-                <a:latin typeface="Calibri"/>
-              </a:rPr>
-              <a:t>05/11/20</a:t>
-            </a:fld>
-            <a:endParaRPr b="0" lang="pt-BR" sz="1200" spc="-1" strike="noStrike">
-              <a:latin typeface="Times New Roman"/>
-            </a:endParaRPr>
-          </a:p>
-        </p:txBody>
-      </p:sp>
-      <p:sp>
-        <p:nvSpPr>
-          <p:cNvPr id="2" name="PlaceHolder 3"/>
-          <p:cNvSpPr>
-            <a:spLocks noGrp="1"/>
-          </p:cNvSpPr>
-          <p:nvPr>
-            <p:ph type="ftr"/>
-          </p:nvPr>
-        </p:nvSpPr>
-        <p:spPr>
-          <a:xfrm>
-            <a:off x="4038480" y="6356520"/>
-            <a:ext cx="4114440" cy="364680"/>
-          </a:xfrm>
-          <a:prstGeom prst="rect">
-            <a:avLst/>
-          </a:prstGeom>
-        </p:spPr>
-        <p:txBody>
-          <a:bodyPr anchor="ctr">
-            <a:noAutofit/>
-          </a:bodyPr>
-          <a:p>
-            <a:endParaRPr b="0" lang="pt-BR" sz="2400" spc="-1" strike="noStrike">
-              <a:latin typeface="Times New Roman"/>
-            </a:endParaRPr>
-          </a:p>
-        </p:txBody>
-      </p:sp>
-      <p:sp>
-        <p:nvSpPr>
-          <p:cNvPr id="3" name="PlaceHolder 4"/>
-          <p:cNvSpPr>
-            <a:spLocks noGrp="1"/>
-          </p:cNvSpPr>
-          <p:nvPr>
-            <p:ph type="sldNum"/>
-          </p:nvPr>
-        </p:nvSpPr>
-        <p:spPr>
-          <a:xfrm>
-            <a:off x="8610480" y="6356520"/>
-            <a:ext cx="2742840" cy="364680"/>
-          </a:xfrm>
-          <a:prstGeom prst="rect">
-            <a:avLst/>
-          </a:prstGeom>
-        </p:spPr>
-        <p:txBody>
-          <a:bodyPr anchor="ctr">
-            <a:noAutofit/>
-          </a:bodyPr>
-          <a:p>
-            <a:pPr algn="r">
-              <a:lnSpc>
-                <a:spcPct val="100000"/>
-              </a:lnSpc>
-            </a:pPr>
-            <a:fld id="{5876DAB1-EF2A-4F6B-BD74-5C8A01474A76}" type="slidenum">
-              <a:rPr b="0" lang="pt-BR" sz="1200" spc="-1" strike="noStrike">
-                <a:solidFill>
-                  <a:srgbClr val="8b8b8b"/>
-                </a:solidFill>
-                <a:latin typeface="Calibri"/>
-              </a:rPr>
-              <a:t>8</a:t>
-            </a:fld>
-            <a:endParaRPr b="0" lang="pt-BR" sz="1200" spc="-1" strike="noStrike">
-              <a:latin typeface="Times New Roman"/>
-            </a:endParaRPr>
-          </a:p>
-        </p:txBody>
-      </p:sp>
-      <p:sp>
-        <p:nvSpPr>
-          <p:cNvPr id="4" name="PlaceHolder 5"/>
           <p:cNvSpPr>
             <a:spLocks noGrp="1"/>
           </p:cNvSpPr>
@@ -1696,7 +1574,7 @@
                 <a:solidFill>
                   <a:srgbClr val="000000"/>
                 </a:solidFill>
-                <a:latin typeface="Calibri"/>
+                <a:latin typeface="Arial"/>
               </a:rPr>
               <a:t>Click to edit the outline text format</a:t>
             </a:r>
@@ -1704,7 +1582,7 @@
               <a:solidFill>
                 <a:srgbClr val="000000"/>
               </a:solidFill>
-              <a:latin typeface="Calibri"/>
+              <a:latin typeface="Arial"/>
             </a:endParaRPr>
           </a:p>
           <a:p>
@@ -1724,7 +1602,7 @@
                 <a:solidFill>
                   <a:srgbClr val="000000"/>
                 </a:solidFill>
-                <a:latin typeface="Calibri"/>
+                <a:latin typeface="Arial"/>
               </a:rPr>
               <a:t>Second Outline Level</a:t>
             </a:r>
@@ -1732,7 +1610,7 @@
               <a:solidFill>
                 <a:srgbClr val="000000"/>
               </a:solidFill>
-              <a:latin typeface="Calibri"/>
+              <a:latin typeface="Arial"/>
             </a:endParaRPr>
           </a:p>
           <a:p>
@@ -1752,7 +1630,7 @@
                 <a:solidFill>
                   <a:srgbClr val="000000"/>
                 </a:solidFill>
-                <a:latin typeface="Calibri"/>
+                <a:latin typeface="Arial"/>
               </a:rPr>
               <a:t>Third Outline Level</a:t>
             </a:r>
@@ -1760,7 +1638,7 @@
               <a:solidFill>
                 <a:srgbClr val="000000"/>
               </a:solidFill>
-              <a:latin typeface="Calibri"/>
+              <a:latin typeface="Arial"/>
             </a:endParaRPr>
           </a:p>
           <a:p>
@@ -1780,7 +1658,7 @@
                 <a:solidFill>
                   <a:srgbClr val="000000"/>
                 </a:solidFill>
-                <a:latin typeface="Calibri"/>
+                <a:latin typeface="Arial"/>
               </a:rPr>
               <a:t>Fourth Outline Level</a:t>
             </a:r>
@@ -1788,7 +1666,7 @@
               <a:solidFill>
                 <a:srgbClr val="000000"/>
               </a:solidFill>
-              <a:latin typeface="Calibri"/>
+              <a:latin typeface="Arial"/>
             </a:endParaRPr>
           </a:p>
           <a:p>
@@ -1808,7 +1686,7 @@
                 <a:solidFill>
                   <a:srgbClr val="000000"/>
                 </a:solidFill>
-                <a:latin typeface="Calibri"/>
+                <a:latin typeface="Arial"/>
               </a:rPr>
               <a:t>Fifth Outline Level</a:t>
             </a:r>
@@ -1816,7 +1694,7 @@
               <a:solidFill>
                 <a:srgbClr val="000000"/>
               </a:solidFill>
-              <a:latin typeface="Calibri"/>
+              <a:latin typeface="Arial"/>
             </a:endParaRPr>
           </a:p>
           <a:p>
@@ -1836,7 +1714,7 @@
                 <a:solidFill>
                   <a:srgbClr val="000000"/>
                 </a:solidFill>
-                <a:latin typeface="Calibri"/>
+                <a:latin typeface="Arial"/>
               </a:rPr>
               <a:t>Sixth Outline Level</a:t>
             </a:r>
@@ -1844,7 +1722,7 @@
               <a:solidFill>
                 <a:srgbClr val="000000"/>
               </a:solidFill>
-              <a:latin typeface="Calibri"/>
+              <a:latin typeface="Arial"/>
             </a:endParaRPr>
           </a:p>
           <a:p>
@@ -1864,7 +1742,7 @@
                 <a:solidFill>
                   <a:srgbClr val="000000"/>
                 </a:solidFill>
-                <a:latin typeface="Calibri"/>
+                <a:latin typeface="Arial"/>
               </a:rPr>
               <a:t>Seventh Outline Level</a:t>
             </a:r>
@@ -1872,7 +1750,7 @@
               <a:solidFill>
                 <a:srgbClr val="000000"/>
               </a:solidFill>
-              <a:latin typeface="Calibri"/>
+              <a:latin typeface="Arial"/>
             </a:endParaRPr>
           </a:p>
         </p:txBody>
@@ -1916,14 +1794,14 @@
       </p:grpSpPr>
       <p:sp>
         <p:nvSpPr>
-          <p:cNvPr id="41" name="CustomShape 1"/>
+          <p:cNvPr id="38" name="CustomShape 1"/>
           <p:cNvSpPr/>
           <p:nvPr/>
         </p:nvSpPr>
         <p:spPr>
           <a:xfrm>
             <a:off x="0" y="1677600"/>
-            <a:ext cx="12166560" cy="5180040"/>
+            <a:ext cx="12166200" cy="5179680"/>
           </a:xfrm>
           <a:prstGeom prst="rect">
             <a:avLst/>
@@ -1952,14 +1830,14 @@
       </p:sp>
       <p:sp>
         <p:nvSpPr>
-          <p:cNvPr id="42" name="CustomShape 2"/>
+          <p:cNvPr id="39" name="CustomShape 2"/>
           <p:cNvSpPr/>
           <p:nvPr/>
         </p:nvSpPr>
         <p:spPr>
           <a:xfrm>
             <a:off x="24840" y="5154120"/>
-            <a:ext cx="12166560" cy="1205280"/>
+            <a:ext cx="12166200" cy="1235160"/>
           </a:xfrm>
           <a:prstGeom prst="rect">
             <a:avLst/>
@@ -1991,6 +1869,7 @@
                   <a:srgbClr val="ffffff"/>
                 </a:solidFill>
                 <a:latin typeface="Arial"/>
+                <a:ea typeface="DejaVu Sans"/>
               </a:rPr>
               <a:t>Itanú Romero, Luciano Bernardes. </a:t>
             </a:r>
@@ -2025,6 +1904,7 @@
                   </a:solidFill>
                 </a:uFill>
                 <a:latin typeface="Arial"/>
+                <a:ea typeface="DejaVu Sans"/>
               </a:rPr>
               <a:t>Itanú V. Romero M.</a:t>
             </a:r>
@@ -2034,6 +1914,7 @@
                   <a:srgbClr val="ffffff"/>
                 </a:solidFill>
                 <a:latin typeface="Arial"/>
+                <a:ea typeface="DejaVu Sans"/>
               </a:rPr>
               <a:t>, Dr. Luciano B. De Paula.</a:t>
             </a:r>
@@ -2045,14 +1926,14 @@
       </p:sp>
       <p:sp>
         <p:nvSpPr>
-          <p:cNvPr id="43" name="CustomShape 3"/>
+          <p:cNvPr id="40" name="CustomShape 3"/>
           <p:cNvSpPr/>
           <p:nvPr/>
         </p:nvSpPr>
         <p:spPr>
           <a:xfrm>
             <a:off x="0" y="3429000"/>
-            <a:ext cx="12166560" cy="1724760"/>
+            <a:ext cx="12166200" cy="1724400"/>
           </a:xfrm>
           <a:prstGeom prst="rect">
             <a:avLst/>
@@ -2084,6 +1965,7 @@
                   <a:srgbClr val="ffffff"/>
                 </a:solidFill>
                 <a:latin typeface="Arial"/>
+                <a:ea typeface="DejaVu Sans"/>
               </a:rPr>
               <a:t>SISTEMA DE RECOMENDAÇÃO DE MÚSICAS BASEADO NA CORRELAÇÃO ENTRE ÁUDIOS E ARQUIVOS DIGITAIS</a:t>
             </a:r>
@@ -2095,7 +1977,7 @@
       </p:sp>
       <p:pic>
         <p:nvPicPr>
-          <p:cNvPr id="44" name="Imagem 2" descr="Logotipo&#10;&#10;Descrição gerada automaticamente"/>
+          <p:cNvPr id="41" name="Imagem 2" descr="Logotipo&#10;&#10;Descrição gerada automaticamente"/>
           <p:cNvPicPr/>
           <p:nvPr/>
         </p:nvPicPr>
@@ -2106,7 +1988,7 @@
         <p:spPr>
           <a:xfrm>
             <a:off x="2303640" y="0"/>
-            <a:ext cx="7608960" cy="3335040"/>
+            <a:ext cx="7608600" cy="3334680"/>
           </a:xfrm>
           <a:prstGeom prst="rect">
             <a:avLst/>
@@ -2148,14 +2030,14 @@
       </p:grpSpPr>
       <p:sp>
         <p:nvSpPr>
-          <p:cNvPr id="45" name="CustomShape 1"/>
+          <p:cNvPr id="42" name="CustomShape 1"/>
           <p:cNvSpPr/>
           <p:nvPr/>
         </p:nvSpPr>
         <p:spPr>
           <a:xfrm>
             <a:off x="0" y="6318000"/>
-            <a:ext cx="12191760" cy="539640"/>
+            <a:ext cx="12191400" cy="539280"/>
           </a:xfrm>
           <a:prstGeom prst="rect">
             <a:avLst/>
@@ -2184,14 +2066,14 @@
       </p:sp>
       <p:sp>
         <p:nvSpPr>
-          <p:cNvPr id="46" name="CustomShape 2"/>
+          <p:cNvPr id="43" name="CustomShape 2"/>
           <p:cNvSpPr/>
           <p:nvPr/>
         </p:nvSpPr>
         <p:spPr>
           <a:xfrm>
             <a:off x="122760" y="6318000"/>
-            <a:ext cx="9939600" cy="539640"/>
+            <a:ext cx="9939240" cy="539280"/>
           </a:xfrm>
           <a:prstGeom prst="rect">
             <a:avLst/>
@@ -2223,6 +2105,7 @@
                   <a:srgbClr val="ffffff"/>
                 </a:solidFill>
                 <a:latin typeface="Arial"/>
+                <a:ea typeface="DejaVu Sans"/>
               </a:rPr>
               <a:t>SISTEMA DE RECOMENDAÇÃO DE MÚSICAS</a:t>
             </a:r>
@@ -2234,14 +2117,14 @@
       </p:sp>
       <p:sp>
         <p:nvSpPr>
-          <p:cNvPr id="47" name="CustomShape 3"/>
+          <p:cNvPr id="44" name="CustomShape 3"/>
           <p:cNvSpPr/>
           <p:nvPr/>
         </p:nvSpPr>
         <p:spPr>
           <a:xfrm>
-            <a:off x="341280" y="486360"/>
-            <a:ext cx="11463840" cy="5165280"/>
+            <a:off x="341280" y="331560"/>
+            <a:ext cx="11463480" cy="5988240"/>
           </a:xfrm>
           <a:prstGeom prst="rect">
             <a:avLst/>
@@ -2276,6 +2159,7 @@
                   <a:srgbClr val="000000"/>
                 </a:solidFill>
                 <a:latin typeface="Arial"/>
+                <a:ea typeface="DejaVu Sans"/>
               </a:rPr>
               <a:t>	</a:t>
             </a:r>
@@ -2285,6 +2169,7 @@
                   <a:srgbClr val="000000"/>
                 </a:solidFill>
                 <a:latin typeface="Arial"/>
+                <a:ea typeface="DejaVu Sans"/>
               </a:rPr>
               <a:t>Sobre o projeto:</a:t>
             </a:r>
@@ -2307,8 +2192,29 @@
                   <a:srgbClr val="000000"/>
                 </a:solidFill>
                 <a:latin typeface="Arial"/>
-              </a:rPr>
-              <a:t>A internet hoje, apresenta diversas plataformas, e dentre elas, se destacam os sistemas de streaming de dados, como o </a:t>
+                <a:ea typeface="DejaVu Sans"/>
+              </a:rPr>
+              <a:t>A internet hoje apresenta diversas plataformas </a:t>
+            </a:r>
+            <a:r>
+              <a:rPr b="0" i="1" lang="pt-BR" sz="1800" spc="-1" strike="noStrike">
+                <a:solidFill>
+                  <a:srgbClr val="000000"/>
+                </a:solidFill>
+                <a:latin typeface="Arial"/>
+                <a:ea typeface="DejaVu Sans"/>
+              </a:rPr>
+              <a:t>streaming</a:t>
+            </a:r>
+            <a:r>
+              <a:rPr b="0" lang="pt-BR" sz="1800" spc="-1" strike="noStrike">
+                <a:solidFill>
+                  <a:srgbClr val="000000"/>
+                </a:solidFill>
+                <a:latin typeface="Arial"/>
+                <a:ea typeface="DejaVu Sans"/>
+              </a:rPr>
+              <a:t> como o </a:t>
             </a:r>
             <a:r>
               <a:rPr b="1" lang="pt-BR" sz="1800" spc="-1" strike="noStrike">
@@ -2316,6 +2222,7 @@
                   <a:srgbClr val="000000"/>
                 </a:solidFill>
                 <a:latin typeface="Arial"/>
+                <a:ea typeface="DejaVu Sans"/>
               </a:rPr>
               <a:t>YouTube</a:t>
             </a:r>
@@ -2325,6 +2232,7 @@
                   <a:srgbClr val="000000"/>
                 </a:solidFill>
                 <a:latin typeface="Arial"/>
+                <a:ea typeface="DejaVu Sans"/>
               </a:rPr>
               <a:t>, </a:t>
             </a:r>
@@ -2334,6 +2242,7 @@
                   <a:srgbClr val="000000"/>
                 </a:solidFill>
                 <a:latin typeface="Arial"/>
+                <a:ea typeface="DejaVu Sans"/>
               </a:rPr>
               <a:t>Netflix</a:t>
             </a:r>
@@ -2343,6 +2252,7 @@
                   <a:srgbClr val="000000"/>
                 </a:solidFill>
                 <a:latin typeface="Arial"/>
+                <a:ea typeface="DejaVu Sans"/>
               </a:rPr>
               <a:t> e </a:t>
             </a:r>
@@ -2352,6 +2262,7 @@
                   <a:srgbClr val="000000"/>
                 </a:solidFill>
                 <a:latin typeface="Arial"/>
+                <a:ea typeface="DejaVu Sans"/>
               </a:rPr>
               <a:t>Spotify</a:t>
             </a:r>
@@ -2361,26 +2272,9 @@
                   <a:srgbClr val="000000"/>
                 </a:solidFill>
                 <a:latin typeface="Arial"/>
-              </a:rPr>
-              <a:t>. Cada um deles com suas características específicas, mas algo todos têm em comum: Todos possuem um </a:t>
-            </a:r>
-            <a:r>
-              <a:rPr b="1" lang="pt-BR" sz="1800" spc="-1" strike="noStrike">
-                <a:solidFill>
-                  <a:srgbClr val="000000"/>
-                </a:solidFill>
-                <a:latin typeface="Arial"/>
-              </a:rPr>
-              <a:t>Sistema de recomendação</a:t>
-            </a:r>
-            <a:r>
-              <a:rPr b="0" lang="pt-BR" sz="1800" spc="-1" strike="noStrike">
-                <a:solidFill>
-                  <a:srgbClr val="000000"/>
-                </a:solidFill>
-                <a:latin typeface="Arial"/>
-              </a:rPr>
-              <a:t>, para que os usuários possam consumir mais e possuir uma melhor experiência!</a:t>
+                <a:ea typeface="DejaVu Sans"/>
+              </a:rPr>
+              <a:t>. </a:t>
             </a:r>
             <a:endParaRPr b="0" lang="pt-BR" sz="1800" spc="-1" strike="noStrike">
               <a:latin typeface="Arial"/>
@@ -2395,15 +2289,6 @@
                 <a:tab algn="l" pos="0"/>
               </a:tabLst>
             </a:pPr>
-            <a:r>
-              <a:rPr b="0" lang="pt-BR" sz="1800" spc="-1" strike="noStrike">
-                <a:solidFill>
-                  <a:srgbClr val="000000"/>
-                </a:solidFill>
-                <a:latin typeface="Arial"/>
-              </a:rPr>
-              <a:t>Esses sistemas de recomendação normalmente produzem seus resultados a partir de tags (características), como no caso das músicas, o seu gênero, artista e outros metadados são considerados ao processar uma recomendação ao usuário.</a:t>
-            </a:r>
             <a:endParaRPr b="0" lang="pt-BR" sz="1800" spc="-1" strike="noStrike">
               <a:latin typeface="Arial"/>
             </a:endParaRPr>
@@ -2423,8 +2308,29 @@
                   <a:srgbClr val="000000"/>
                 </a:solidFill>
                 <a:latin typeface="Arial"/>
-              </a:rPr>
-              <a:t>Porém são poucos os que utilizam o dado puro, sem tags ou vieses, assim como estamos estudando nesta Iniciação Científica.</a:t>
+                <a:ea typeface="DejaVu Sans"/>
+              </a:rPr>
+              <a:t>Como característica em comum, todas elas possuem um </a:t>
+            </a:r>
+            <a:r>
+              <a:rPr b="1" lang="pt-BR" sz="1800" spc="-1" strike="noStrike">
+                <a:solidFill>
+                  <a:srgbClr val="000000"/>
+                </a:solidFill>
+                <a:latin typeface="Arial"/>
+                <a:ea typeface="DejaVu Sans"/>
+              </a:rPr>
+              <a:t>Sistema de recomendação</a:t>
+            </a:r>
+            <a:r>
+              <a:rPr b="0" lang="pt-BR" sz="1800" spc="-1" strike="noStrike">
+                <a:solidFill>
+                  <a:srgbClr val="000000"/>
+                </a:solidFill>
+                <a:latin typeface="Arial"/>
+                <a:ea typeface="DejaVu Sans"/>
+              </a:rPr>
+              <a:t>, para que os usuários possam consumir mais e possuir uma melhor experiência.</a:t>
             </a:r>
             <a:endParaRPr b="0" lang="pt-BR" sz="1800" spc="-1" strike="noStrike">
               <a:latin typeface="Arial"/>
@@ -2439,14 +2345,104 @@
                 <a:tab algn="l" pos="0"/>
               </a:tabLst>
             </a:pPr>
-            <a:r>
-              <a:rPr b="0" lang="pt-BR" sz="1800" spc="-1" strike="noStrike">
-                <a:solidFill>
-                  <a:srgbClr val="000000"/>
-                </a:solidFill>
-                <a:latin typeface="Arial"/>
-              </a:rPr>
-              <a:t>Então, nosso objetivo é calcular e entregar uma recomendação ao usuário de acordo com dados puros de uma música, sendo eles as informações que podem ser retiradas a partir de seu código binário.</a:t>
+            <a:endParaRPr b="0" lang="pt-BR" sz="1800" spc="-1" strike="noStrike">
+              <a:latin typeface="Arial"/>
+            </a:endParaRPr>
+          </a:p>
+          <a:p>
+            <a:pPr algn="just">
+              <a:lnSpc>
+                <a:spcPct val="150000"/>
+              </a:lnSpc>
+              <a:tabLst>
+                <a:tab algn="l" pos="0"/>
+              </a:tabLst>
+            </a:pPr>
+            <a:r>
+              <a:rPr b="0" lang="pt-BR" sz="1800" spc="-1" strike="noStrike">
+                <a:solidFill>
+                  <a:srgbClr val="000000"/>
+                </a:solidFill>
+                <a:latin typeface="Arial"/>
+                <a:ea typeface="DejaVu Sans"/>
+              </a:rPr>
+              <a:t>Esses sistemas de recomendação normalmente produzem seus resultados a partir de </a:t>
+            </a:r>
+            <a:r>
+              <a:rPr b="0" i="1" lang="pt-BR" sz="1800" spc="-1" strike="noStrike">
+                <a:solidFill>
+                  <a:srgbClr val="000000"/>
+                </a:solidFill>
+                <a:latin typeface="Arial"/>
+                <a:ea typeface="DejaVu Sans"/>
+              </a:rPr>
+              <a:t>tags</a:t>
+            </a:r>
+            <a:r>
+              <a:rPr b="0" lang="pt-BR" sz="1800" spc="-1" strike="noStrike">
+                <a:solidFill>
+                  <a:srgbClr val="000000"/>
+                </a:solidFill>
+                <a:latin typeface="Arial"/>
+                <a:ea typeface="DejaVu Sans"/>
+              </a:rPr>
+              <a:t> (marcações que indicam características). No caso das músicas digitais, o seu gênero, artista e outros metadados são considerados ao processar uma recomendação ao usuário.</a:t>
+            </a:r>
+            <a:endParaRPr b="0" lang="pt-BR" sz="1800" spc="-1" strike="noStrike">
+              <a:latin typeface="Arial"/>
+            </a:endParaRPr>
+          </a:p>
+          <a:p>
+            <a:pPr algn="just">
+              <a:lnSpc>
+                <a:spcPct val="150000"/>
+              </a:lnSpc>
+              <a:tabLst>
+                <a:tab algn="l" pos="0"/>
+              </a:tabLst>
+            </a:pPr>
+            <a:endParaRPr b="0" lang="pt-BR" sz="1800" spc="-1" strike="noStrike">
+              <a:latin typeface="Arial"/>
+            </a:endParaRPr>
+          </a:p>
+          <a:p>
+            <a:pPr algn="just">
+              <a:lnSpc>
+                <a:spcPct val="150000"/>
+              </a:lnSpc>
+              <a:tabLst>
+                <a:tab algn="l" pos="0"/>
+              </a:tabLst>
+            </a:pPr>
+            <a:r>
+              <a:rPr b="0" lang="pt-BR" sz="1800" spc="-1" strike="noStrike">
+                <a:solidFill>
+                  <a:srgbClr val="000000"/>
+                </a:solidFill>
+                <a:latin typeface="Arial"/>
+                <a:ea typeface="DejaVu Sans"/>
+              </a:rPr>
+              <a:t>Porém são poucos os sistemas de recomendação que utilizam o dado puro, sem o uso de </a:t>
+            </a:r>
+            <a:r>
+              <a:rPr b="0" i="1" lang="pt-BR" sz="1800" spc="-1" strike="noStrike">
+                <a:solidFill>
+                  <a:srgbClr val="000000"/>
+                </a:solidFill>
+                <a:latin typeface="Arial"/>
+                <a:ea typeface="DejaVu Sans"/>
+              </a:rPr>
+              <a:t>tags</a:t>
+            </a:r>
+            <a:r>
+              <a:rPr b="0" lang="pt-BR" sz="1800" spc="-1" strike="noStrike">
+                <a:solidFill>
+                  <a:srgbClr val="000000"/>
+                </a:solidFill>
+                <a:latin typeface="Arial"/>
+                <a:ea typeface="DejaVu Sans"/>
+              </a:rPr>
+              <a:t> que podem conter vieses. O objetivo deste projeto é calcular e entregar uma recomendação ao usuário de acordo com dados puros de uma música, sendo eles as informações que podem ser retiradas a partir de seu código binário.</a:t>
             </a:r>
             <a:endParaRPr b="0" lang="pt-BR" sz="1800" spc="-1" strike="noStrike">
               <a:latin typeface="Arial"/>
@@ -2456,7 +2452,7 @@
       </p:sp>
       <p:pic>
         <p:nvPicPr>
-          <p:cNvPr id="48" name="Imagem 6" descr="Logotipo&#10;&#10;Descrição gerada automaticamente"/>
+          <p:cNvPr id="45" name="Imagem 6" descr="Logotipo&#10;&#10;Descrição gerada automaticamente"/>
           <p:cNvPicPr/>
           <p:nvPr/>
         </p:nvPicPr>
@@ -2467,7 +2463,7 @@
         <p:spPr>
           <a:xfrm>
             <a:off x="9761400" y="5808600"/>
-            <a:ext cx="2403000" cy="1053000"/>
+            <a:ext cx="2402640" cy="1052640"/>
           </a:xfrm>
           <a:prstGeom prst="rect">
             <a:avLst/>
@@ -2509,14 +2505,14 @@
       </p:grpSpPr>
       <p:sp>
         <p:nvSpPr>
-          <p:cNvPr id="49" name="CustomShape 1"/>
+          <p:cNvPr id="46" name="CustomShape 1"/>
           <p:cNvSpPr/>
           <p:nvPr/>
         </p:nvSpPr>
         <p:spPr>
           <a:xfrm>
             <a:off x="0" y="6318000"/>
-            <a:ext cx="12191760" cy="539640"/>
+            <a:ext cx="12191400" cy="539280"/>
           </a:xfrm>
           <a:prstGeom prst="rect">
             <a:avLst/>
@@ -2545,14 +2541,14 @@
       </p:sp>
       <p:sp>
         <p:nvSpPr>
-          <p:cNvPr id="50" name="CustomShape 2"/>
+          <p:cNvPr id="47" name="CustomShape 2"/>
           <p:cNvSpPr/>
           <p:nvPr/>
         </p:nvSpPr>
         <p:spPr>
           <a:xfrm>
             <a:off x="122760" y="6318000"/>
-            <a:ext cx="9939600" cy="539640"/>
+            <a:ext cx="9939240" cy="539280"/>
           </a:xfrm>
           <a:prstGeom prst="rect">
             <a:avLst/>
@@ -2584,6 +2580,7 @@
                   <a:srgbClr val="ffffff"/>
                 </a:solidFill>
                 <a:latin typeface="Arial"/>
+                <a:ea typeface="DejaVu Sans"/>
               </a:rPr>
               <a:t>SISTEMA DE RECOMENDAÇÃO DE MÚSICAS</a:t>
             </a:r>
@@ -2595,14 +2592,14 @@
       </p:sp>
       <p:sp>
         <p:nvSpPr>
-          <p:cNvPr id="51" name="CustomShape 3"/>
+          <p:cNvPr id="48" name="CustomShape 3"/>
           <p:cNvSpPr/>
           <p:nvPr/>
         </p:nvSpPr>
         <p:spPr>
           <a:xfrm>
             <a:off x="341280" y="486360"/>
-            <a:ext cx="11463840" cy="3107880"/>
+            <a:ext cx="11463480" cy="3107520"/>
           </a:xfrm>
           <a:prstGeom prst="rect">
             <a:avLst/>
@@ -2637,6 +2634,7 @@
                   <a:srgbClr val="000000"/>
                 </a:solidFill>
                 <a:latin typeface="Arial"/>
+                <a:ea typeface="DejaVu Sans"/>
               </a:rPr>
               <a:t>Materiais e métodos aplicados:</a:t>
             </a:r>
@@ -2659,8 +2657,9 @@
                   <a:srgbClr val="000000"/>
                 </a:solidFill>
                 <a:latin typeface="Arial"/>
-              </a:rPr>
-              <a:t>A primeira tarefa foi pesquisar e definir qual seria o tipo de arquivo a ser estudado, e nossa primeira opção foi aqueles com a extensão .wav, pois estes arquivos se assemelham muito ao que conhecemos como música digital pura, seguindo o padrão Pulse Code Modulation (PCM) o qual transforma os dados, sem compressão, para “imagens” de amplitudes e ondas sonoras. Assim como é possível ver abaixo:</a:t>
+                <a:ea typeface="DejaVu Sans"/>
+              </a:rPr>
+              <a:t>A primeira tarefa foi definir qual seria o tipo de arquivo a ser estudado, e a primeira opção foi aqueles do tipo WAV, pois estes arquivos se assemelham muito ao que conhecemos como música digital pura, seguindo o padrão Pulse Code Modulation (PCM) o qual transforma os dados, sem compressão, para “imagens” de amplitudes e ondas sonoras. Assim como é possível ver abaixo:</a:t>
             </a:r>
             <a:endParaRPr b="0" lang="pt-BR" sz="1800" spc="-1" strike="noStrike">
               <a:latin typeface="Arial"/>
@@ -2696,7 +2695,7 @@
       </p:sp>
       <p:pic>
         <p:nvPicPr>
-          <p:cNvPr id="52" name="Imagem 6_1" descr="Logotipo&#10;&#10;Descrição gerada automaticamente"/>
+          <p:cNvPr id="49" name="Imagem 6_1" descr="Logotipo&#10;&#10;Descrição gerada automaticamente"/>
           <p:cNvPicPr/>
           <p:nvPr/>
         </p:nvPicPr>
@@ -2707,7 +2706,7 @@
         <p:spPr>
           <a:xfrm>
             <a:off x="9761400" y="5808600"/>
-            <a:ext cx="2403000" cy="1053000"/>
+            <a:ext cx="2402640" cy="1052640"/>
           </a:xfrm>
           <a:prstGeom prst="rect">
             <a:avLst/>
@@ -2719,7 +2718,7 @@
       </p:pic>
       <p:pic>
         <p:nvPicPr>
-          <p:cNvPr id="53" name="" descr=""/>
+          <p:cNvPr id="50" name="Imagem 52" descr=""/>
           <p:cNvPicPr/>
           <p:nvPr/>
         </p:nvPicPr>
@@ -2730,7 +2729,7 @@
         <p:spPr>
           <a:xfrm>
             <a:off x="720000" y="2842920"/>
-            <a:ext cx="3240000" cy="3457080"/>
+            <a:ext cx="3239640" cy="3456720"/>
           </a:xfrm>
           <a:prstGeom prst="rect">
             <a:avLst/>
@@ -2742,14 +2741,14 @@
       </p:pic>
       <p:sp>
         <p:nvSpPr>
-          <p:cNvPr id="54" name="TextShape 4"/>
-          <p:cNvSpPr txBox="1"/>
+          <p:cNvPr id="51" name="CustomShape 4"/>
+          <p:cNvSpPr/>
           <p:nvPr/>
         </p:nvSpPr>
         <p:spPr>
           <a:xfrm>
             <a:off x="4140000" y="2880000"/>
-            <a:ext cx="7740000" cy="3160440"/>
+            <a:ext cx="7739640" cy="3160080"/>
           </a:xfrm>
           <a:prstGeom prst="rect">
             <a:avLst/>
@@ -2759,6 +2758,12 @@
             <a:noFill/>
           </a:ln>
         </p:spPr>
+        <p:style>
+          <a:lnRef idx="0"/>
+          <a:fillRef idx="0"/>
+          <a:effectRef idx="0"/>
+          <a:fontRef idx="minor"/>
+        </p:style>
         <p:txBody>
           <a:bodyPr lIns="90000" rIns="90000" tIns="45000" bIns="45000">
             <a:noAutofit/>
@@ -2778,6 +2783,7 @@
                   <a:srgbClr val="000000"/>
                 </a:solidFill>
                 <a:latin typeface="Arial"/>
+                <a:ea typeface="DejaVu Sans"/>
               </a:rPr>
               <a:t>Como pode ser visto ao lado, o padrão transforma o áudio analógico em digital utilizando métodos de atribuição de pontos estáticos que se juntarmos diversos deles podem formar uma onda, e quanto mais amostras por segundo (Sample Rate), maior a qualidade ou densidade do áudio.</a:t>
             </a:r>
@@ -2800,8 +2806,9 @@
                   <a:srgbClr val="000000"/>
                 </a:solidFill>
                 <a:latin typeface="Arial"/>
-              </a:rPr>
-              <a:t>Dessa forma, criamos um sistema que analisa diretamente esses dados, bit a bit, utilizando a função de Hamming para determinar a semelhança de cada amostra do áudio.</a:t>
+                <a:ea typeface="DejaVu Sans"/>
+              </a:rPr>
+              <a:t>Dessa forma, foi criado um sistema que analisa diretamente esses dados, bit a bit, utilizando a função de Hamming para determinar a semelhança de cada amostra do áudio.</a:t>
             </a:r>
             <a:endParaRPr b="0" lang="pt-BR" sz="1800" spc="-1" strike="noStrike">
               <a:latin typeface="Arial"/>
@@ -2841,14 +2848,14 @@
       </p:grpSpPr>
       <p:sp>
         <p:nvSpPr>
-          <p:cNvPr id="55" name="CustomShape 1"/>
+          <p:cNvPr id="52" name="CustomShape 1"/>
           <p:cNvSpPr/>
           <p:nvPr/>
         </p:nvSpPr>
         <p:spPr>
           <a:xfrm>
             <a:off x="0" y="6318000"/>
-            <a:ext cx="12191760" cy="539640"/>
+            <a:ext cx="12191400" cy="539280"/>
           </a:xfrm>
           <a:prstGeom prst="rect">
             <a:avLst/>
@@ -2877,14 +2884,14 @@
       </p:sp>
       <p:sp>
         <p:nvSpPr>
-          <p:cNvPr id="56" name="CustomShape 2"/>
+          <p:cNvPr id="53" name="CustomShape 2"/>
           <p:cNvSpPr/>
           <p:nvPr/>
         </p:nvSpPr>
         <p:spPr>
           <a:xfrm>
             <a:off x="122760" y="6318000"/>
-            <a:ext cx="9939600" cy="539640"/>
+            <a:ext cx="9939240" cy="539280"/>
           </a:xfrm>
           <a:prstGeom prst="rect">
             <a:avLst/>
@@ -2916,6 +2923,7 @@
                   <a:srgbClr val="ffffff"/>
                 </a:solidFill>
                 <a:latin typeface="Arial"/>
+                <a:ea typeface="DejaVu Sans"/>
               </a:rPr>
               <a:t>SISTEMA DE RECOMENDAÇÃO DE MÚSICAS</a:t>
             </a:r>
@@ -2927,14 +2935,14 @@
       </p:sp>
       <p:sp>
         <p:nvSpPr>
-          <p:cNvPr id="57" name="CustomShape 3"/>
+          <p:cNvPr id="54" name="CustomShape 3"/>
           <p:cNvSpPr/>
           <p:nvPr/>
         </p:nvSpPr>
         <p:spPr>
           <a:xfrm>
             <a:off x="341280" y="486360"/>
-            <a:ext cx="11463840" cy="5576040"/>
+            <a:ext cx="11463480" cy="5576760"/>
           </a:xfrm>
           <a:prstGeom prst="rect">
             <a:avLst/>
@@ -2969,6 +2977,7 @@
                   <a:srgbClr val="000000"/>
                 </a:solidFill>
                 <a:latin typeface="Arial"/>
+                <a:ea typeface="DejaVu Sans"/>
               </a:rPr>
               <a:t>Resultados:</a:t>
             </a:r>
@@ -2991,15 +3000,18 @@
                   <a:srgbClr val="000000"/>
                 </a:solidFill>
                 <a:latin typeface="Arial"/>
-              </a:rPr>
-              <a:t>Como vimos no Slide anterior, aplicamos então as músicas .wav (que foram retiradas do banco de dados da </a:t>
-            </a:r>
-            <a:r>
-              <a:rPr b="0" lang="pt-BR" sz="1800" spc="-1" strike="noStrike">
-                <a:solidFill>
-                  <a:srgbClr val="000000"/>
-                </a:solidFill>
-                <a:latin typeface="Arial"/>
+                <a:ea typeface="DejaVu Sans"/>
+              </a:rPr>
+              <a:t>Os arquivos do tipo .wav (que foram retiradas do banco de dados da </a:t>
+            </a:r>
+            <a:r>
+              <a:rPr b="0" lang="pt-BR" sz="1800" spc="-1" strike="noStrike" u="sng">
+                <a:solidFill>
+                  <a:srgbClr val="0563c1"/>
+                </a:solidFill>
+                <a:uFillTx/>
+                <a:latin typeface="Arial"/>
+                <a:ea typeface="DejaVu Sans"/>
                 <a:hlinkClick r:id="rId1"/>
               </a:rPr>
               <a:t>https://www.jamendo.com/</a:t>
@@ -3010,8 +3022,9 @@
                   <a:srgbClr val="000000"/>
                 </a:solidFill>
                 <a:latin typeface="Arial"/>
-              </a:rPr>
-              <a:t>) ao sistema construído em C o qual realiza um derivado da Função de Hamming chamada de Distância de Hamming.</a:t>
+                <a:ea typeface="DejaVu Sans"/>
+              </a:rPr>
+              <a:t>) foram submetidos ao sistema construído em linguagem C, o qual aplica uma função chamada de Distância de Hamming.</a:t>
             </a:r>
             <a:endParaRPr b="0" lang="pt-BR" sz="1800" spc="-1" strike="noStrike">
               <a:latin typeface="Arial"/>
@@ -3032,8 +3045,9 @@
                   <a:srgbClr val="000000"/>
                 </a:solidFill>
                 <a:latin typeface="Arial"/>
-              </a:rPr>
-              <a:t>Dessa forma podemos fazer a leitura de blocos de duas músicas simultaneamente e calcular a porcentagem de bits semelhantes para isso.</a:t>
+                <a:ea typeface="DejaVu Sans"/>
+              </a:rPr>
+              <a:t>Dessa forma foi possível fazer a leitura de blocos de duas músicas simultaneamente e calcular a porcentagem de bits semelhantes entre elas.</a:t>
             </a:r>
             <a:endParaRPr b="0" lang="pt-BR" sz="1800" spc="-1" strike="noStrike">
               <a:latin typeface="Arial"/>
@@ -3054,8 +3068,9 @@
                   <a:srgbClr val="000000"/>
                 </a:solidFill>
                 <a:latin typeface="Arial"/>
-              </a:rPr>
-              <a:t>Primeiro fizemos um teste com 2 arquivos iguais, o que resultou em uma semelhança de 100% como esperado.</a:t>
+                <a:ea typeface="DejaVu Sans"/>
+              </a:rPr>
+              <a:t>Primeiro fizemos um teste com 2 arquivos iguais, o que resultou em uma semelhança de 100%, como esperado.</a:t>
             </a:r>
             <a:endParaRPr b="0" lang="pt-BR" sz="1800" spc="-1" strike="noStrike">
               <a:latin typeface="Arial"/>
@@ -3076,6 +3091,7 @@
                   <a:srgbClr val="000000"/>
                 </a:solidFill>
                 <a:latin typeface="Arial"/>
+                <a:ea typeface="DejaVu Sans"/>
               </a:rPr>
               <a:t>Porém, os próximos testes não foram muito cativantes, fizemos os seguintes:</a:t>
             </a:r>
@@ -3098,6 +3114,7 @@
                   <a:srgbClr val="000000"/>
                 </a:solidFill>
                 <a:latin typeface="Arial"/>
+                <a:ea typeface="DejaVu Sans"/>
               </a:rPr>
               <a:t>- 2 músicas aleatórias</a:t>
             </a:r>
@@ -3120,6 +3137,7 @@
                   <a:srgbClr val="000000"/>
                 </a:solidFill>
                 <a:latin typeface="Arial"/>
+                <a:ea typeface="DejaVu Sans"/>
               </a:rPr>
               <a:t>- 2 versões da mesma música</a:t>
             </a:r>
@@ -3142,6 +3160,7 @@
                   <a:srgbClr val="000000"/>
                 </a:solidFill>
                 <a:latin typeface="Arial"/>
+                <a:ea typeface="DejaVu Sans"/>
               </a:rPr>
               <a:t>- 2 músicas completamente diferentes (gêneros opostos)</a:t>
             </a:r>
@@ -3166,7 +3185,7 @@
       </p:sp>
       <p:pic>
         <p:nvPicPr>
-          <p:cNvPr id="58" name="Imagem 6_2" descr="Logotipo&#10;&#10;Descrição gerada automaticamente"/>
+          <p:cNvPr id="55" name="Imagem 6_2" descr="Logotipo&#10;&#10;Descrição gerada automaticamente"/>
           <p:cNvPicPr/>
           <p:nvPr/>
         </p:nvPicPr>
@@ -3177,7 +3196,7 @@
         <p:spPr>
           <a:xfrm>
             <a:off x="9761400" y="5808600"/>
-            <a:ext cx="2403000" cy="1053000"/>
+            <a:ext cx="2402640" cy="1052640"/>
           </a:xfrm>
           <a:prstGeom prst="rect">
             <a:avLst/>
@@ -3219,14 +3238,14 @@
       </p:grpSpPr>
       <p:sp>
         <p:nvSpPr>
-          <p:cNvPr id="59" name="CustomShape 1"/>
+          <p:cNvPr id="56" name="CustomShape 1"/>
           <p:cNvSpPr/>
           <p:nvPr/>
         </p:nvSpPr>
         <p:spPr>
           <a:xfrm>
             <a:off x="0" y="6318000"/>
-            <a:ext cx="12191760" cy="539640"/>
+            <a:ext cx="12191400" cy="539280"/>
           </a:xfrm>
           <a:prstGeom prst="rect">
             <a:avLst/>
@@ -3255,14 +3274,14 @@
       </p:sp>
       <p:sp>
         <p:nvSpPr>
-          <p:cNvPr id="60" name="CustomShape 2"/>
+          <p:cNvPr id="57" name="CustomShape 2"/>
           <p:cNvSpPr/>
           <p:nvPr/>
         </p:nvSpPr>
         <p:spPr>
           <a:xfrm>
             <a:off x="122760" y="6318000"/>
-            <a:ext cx="9939600" cy="539640"/>
+            <a:ext cx="9939240" cy="539280"/>
           </a:xfrm>
           <a:prstGeom prst="rect">
             <a:avLst/>
@@ -3294,6 +3313,7 @@
                   <a:srgbClr val="ffffff"/>
                 </a:solidFill>
                 <a:latin typeface="Arial"/>
+                <a:ea typeface="DejaVu Sans"/>
               </a:rPr>
               <a:t>SISTEMA DE RECOMENDAÇÃO DE MÚSICAS</a:t>
             </a:r>
@@ -3305,14 +3325,14 @@
       </p:sp>
       <p:sp>
         <p:nvSpPr>
-          <p:cNvPr id="61" name="CustomShape 3"/>
+          <p:cNvPr id="58" name="CustomShape 3"/>
           <p:cNvSpPr/>
           <p:nvPr/>
         </p:nvSpPr>
         <p:spPr>
           <a:xfrm>
             <a:off x="341280" y="486360"/>
-            <a:ext cx="11463840" cy="3792960"/>
+            <a:ext cx="11463480" cy="3792960"/>
           </a:xfrm>
           <a:prstGeom prst="rect">
             <a:avLst/>
@@ -3349,16 +3369,17 @@
                 <a:latin typeface="Arial"/>
                 <a:ea typeface="Microsoft YaHei"/>
               </a:rPr>
-              <a:t>O grande problema, foi que o resultado final dos testes nos trouxeram resultados contrários, aquelas músicas mais “parecidas” ficaram com menor porcentagem de semelhança, e as mais </a:t>
-            </a:r>
-            <a:r>
-              <a:rPr b="0" lang="pt-BR" sz="1800" spc="-1" strike="noStrike">
-                <a:solidFill>
-                  <a:srgbClr val="000000"/>
-                </a:solidFill>
-                <a:latin typeface="Arial"/>
-              </a:rPr>
-              <a:t>“diferentes”, com uma maior porcentagem. Além de que os testes demoravam muito (cerca de 1h) para serem concluídos, pois cada arquivo .wav possui em média 20MB (músicas com duração de aprox. 3 minutos).</a:t>
+              <a:t>O grande problema, foi que o resultado final dos testes apresentaram resultados contrários, aquelas músicas mais “parecidas” ficaram com menor porcentagem de semelhança, e as mais </a:t>
+            </a:r>
+            <a:r>
+              <a:rPr b="0" lang="pt-BR" sz="1800" spc="-1" strike="noStrike">
+                <a:solidFill>
+                  <a:srgbClr val="000000"/>
+                </a:solidFill>
+                <a:latin typeface="Arial"/>
+                <a:ea typeface="DejaVu Sans"/>
+              </a:rPr>
+              <a:t>“diferentes”, com uma maior porcentagem. Além de que os testes demandavam uma quantidade considerável de tempo (cerca de 1h) para serem concluídos, pois cada arquivo .wav possui em média 20MB (músicas com duração de aprox. 3 minutos).</a:t>
             </a:r>
             <a:endParaRPr b="0" lang="pt-BR" sz="1800" spc="-1" strike="noStrike">
               <a:latin typeface="Arial"/>
@@ -3379,8 +3400,9 @@
                   <a:srgbClr val="000000"/>
                 </a:solidFill>
                 <a:latin typeface="Arial"/>
-              </a:rPr>
-              <a:t>Dessa forma conseguimos verificar a importância de algo que chamamos de shift de dados.</a:t>
+                <a:ea typeface="DejaVu Sans"/>
+              </a:rPr>
+              <a:t>Dessa forma foi possível verificar a importância de algo que chamamos de shift de dados.</a:t>
             </a:r>
             <a:endParaRPr b="0" lang="pt-BR" sz="1800" spc="-1" strike="noStrike">
               <a:latin typeface="Arial"/>
@@ -3401,6 +3423,7 @@
                   <a:srgbClr val="000000"/>
                 </a:solidFill>
                 <a:latin typeface="Arial"/>
+                <a:ea typeface="DejaVu Sans"/>
               </a:rPr>
               <a:t>Se por algum acaso troca-se por mais de 1 bit a posição dos dados, temos resultados totalmente diferentes, como pode ver:</a:t>
             </a:r>
@@ -3438,7 +3461,7 @@
       </p:sp>
       <p:pic>
         <p:nvPicPr>
-          <p:cNvPr id="62" name="Imagem 6_3" descr="Logotipo&#10;&#10;Descrição gerada automaticamente"/>
+          <p:cNvPr id="59" name="Imagem 6_3" descr="Logotipo&#10;&#10;Descrição gerada automaticamente"/>
           <p:cNvPicPr/>
           <p:nvPr/>
         </p:nvPicPr>
@@ -3449,7 +3472,7 @@
         <p:spPr>
           <a:xfrm>
             <a:off x="9761400" y="5808600"/>
-            <a:ext cx="2403000" cy="1053000"/>
+            <a:ext cx="2402640" cy="1052640"/>
           </a:xfrm>
           <a:prstGeom prst="rect">
             <a:avLst/>
@@ -3461,13 +3484,13 @@
       </p:pic>
       <p:graphicFrame>
         <p:nvGraphicFramePr>
-          <p:cNvPr id="63" name="Table 4"/>
+          <p:cNvPr id="60" name="Table 4"/>
           <p:cNvGraphicFramePr/>
           <p:nvPr/>
         </p:nvGraphicFramePr>
         <p:xfrm>
           <a:off x="2406240" y="3501360"/>
-          <a:ext cx="6980040" cy="1439280"/>
+          <a:ext cx="6979680" cy="1439280"/>
         </p:xfrm>
         <a:graphic>
           <a:graphicData uri="http://schemas.openxmlformats.org/drawingml/2006/table">
@@ -3480,11 +3503,14 @@
               <a:tr h="719640">
                 <a:tc>
                   <a:txBody>
-                    <a:bodyPr lIns="90000" rIns="90000" tIns="46800" bIns="46800">
+                    <a:bodyPr lIns="90000" rIns="90000">
                       <a:noAutofit/>
                     </a:bodyPr>
                     <a:p>
                       <a:pPr algn="ctr">
+                        <a:lnSpc>
+                          <a:spcPct val="100000"/>
+                        </a:lnSpc>
                         <a:spcBef>
                           <a:spcPts val="283"/>
                         </a:spcBef>
@@ -3498,6 +3524,9 @@
                     </a:p>
                     <a:p>
                       <a:pPr algn="ctr">
+                        <a:lnSpc>
+                          <a:spcPct val="100000"/>
+                        </a:lnSpc>
                         <a:spcBef>
                           <a:spcPts val="283"/>
                         </a:spcBef>
@@ -3507,7 +3536,11 @@
                       </a:pPr>
                       <a:r>
                         <a:rPr b="0" lang="pt-BR" sz="1800" spc="-1" strike="noStrike">
+                          <a:solidFill>
+                            <a:srgbClr val="000000"/>
+                          </a:solidFill>
                           <a:latin typeface="Arial"/>
+                          <a:ea typeface="DejaVu Sans"/>
                         </a:rPr>
                         <a:t>A B C D E F G H</a:t>
                       </a:r>
@@ -3544,11 +3577,14 @@
                 </a:tc>
                 <a:tc>
                   <a:txBody>
-                    <a:bodyPr lIns="90000" rIns="90000" tIns="46800" bIns="46800">
+                    <a:bodyPr lIns="90000" rIns="90000">
                       <a:noAutofit/>
                     </a:bodyPr>
                     <a:p>
                       <a:pPr algn="ctr">
+                        <a:lnSpc>
+                          <a:spcPct val="100000"/>
+                        </a:lnSpc>
                         <a:spcBef>
                           <a:spcPts val="283"/>
                         </a:spcBef>
@@ -3559,13 +3595,20 @@
                     </a:p>
                     <a:p>
                       <a:pPr algn="ctr">
+                        <a:lnSpc>
+                          <a:spcPct val="100000"/>
+                        </a:lnSpc>
                         <a:spcBef>
                           <a:spcPts val="283"/>
                         </a:spcBef>
                       </a:pPr>
                       <a:r>
                         <a:rPr b="0" lang="pt-BR" sz="1800" spc="-1" strike="noStrike">
+                          <a:solidFill>
+                            <a:srgbClr val="000000"/>
+                          </a:solidFill>
                           <a:latin typeface="Arial"/>
+                          <a:ea typeface="DejaVu Sans"/>
                         </a:rPr>
                         <a:t>A B C D E F G H</a:t>
                       </a:r>
@@ -3604,11 +3647,14 @@
               <a:tr h="720000">
                 <a:tc>
                   <a:txBody>
-                    <a:bodyPr lIns="90000" rIns="90000" tIns="46800" bIns="46800">
+                    <a:bodyPr lIns="90000" rIns="90000">
                       <a:noAutofit/>
                     </a:bodyPr>
                     <a:p>
                       <a:pPr algn="ctr">
+                        <a:lnSpc>
+                          <a:spcPct val="100000"/>
+                        </a:lnSpc>
                         <a:spcBef>
                           <a:spcPts val="283"/>
                         </a:spcBef>
@@ -3619,13 +3665,20 @@
                     </a:p>
                     <a:p>
                       <a:pPr algn="ctr">
+                        <a:lnSpc>
+                          <a:spcPct val="100000"/>
+                        </a:lnSpc>
                         <a:spcBef>
                           <a:spcPts val="283"/>
                         </a:spcBef>
                       </a:pPr>
                       <a:r>
                         <a:rPr b="0" lang="pt-BR" sz="1800" spc="-1" strike="noStrike">
+                          <a:solidFill>
+                            <a:srgbClr val="000000"/>
+                          </a:solidFill>
                           <a:latin typeface="Arial"/>
+                          <a:ea typeface="DejaVu Sans"/>
                         </a:rPr>
                         <a:t>A B C D E F G H</a:t>
                       </a:r>
@@ -3662,11 +3715,14 @@
                 </a:tc>
                 <a:tc>
                   <a:txBody>
-                    <a:bodyPr lIns="90000" rIns="90000" tIns="46800" bIns="46800">
+                    <a:bodyPr lIns="90000" rIns="90000">
                       <a:noAutofit/>
                     </a:bodyPr>
                     <a:p>
                       <a:pPr algn="ctr">
+                        <a:lnSpc>
+                          <a:spcPct val="100000"/>
+                        </a:lnSpc>
                         <a:spcBef>
                           <a:spcPts val="283"/>
                         </a:spcBef>
@@ -3677,13 +3733,20 @@
                     </a:p>
                     <a:p>
                       <a:pPr algn="ctr">
+                        <a:lnSpc>
+                          <a:spcPct val="100000"/>
+                        </a:lnSpc>
                         <a:spcBef>
                           <a:spcPts val="283"/>
                         </a:spcBef>
                       </a:pPr>
                       <a:r>
                         <a:rPr b="0" lang="pt-BR" sz="1800" spc="-1" strike="noStrike">
+                          <a:solidFill>
+                            <a:srgbClr val="000000"/>
+                          </a:solidFill>
                           <a:latin typeface="Arial"/>
+                          <a:ea typeface="DejaVu Sans"/>
                         </a:rPr>
                         <a:t>A  A B C D E F G H</a:t>
                       </a:r>
@@ -3725,14 +3788,14 @@
       </p:graphicFrame>
       <p:sp>
         <p:nvSpPr>
-          <p:cNvPr id="64" name="TextShape 5"/>
-          <p:cNvSpPr txBox="1"/>
+          <p:cNvPr id="61" name="CustomShape 5"/>
+          <p:cNvSpPr/>
           <p:nvPr/>
         </p:nvSpPr>
         <p:spPr>
           <a:xfrm>
             <a:off x="360000" y="4878360"/>
-            <a:ext cx="11160000" cy="1241640"/>
+            <a:ext cx="11159640" cy="1241280"/>
           </a:xfrm>
           <a:prstGeom prst="rect">
             <a:avLst/>
@@ -3742,6 +3805,12 @@
             <a:noFill/>
           </a:ln>
         </p:spPr>
+        <p:style>
+          <a:lnRef idx="0"/>
+          <a:fillRef idx="0"/>
+          <a:effectRef idx="0"/>
+          <a:fontRef idx="minor"/>
+        </p:style>
         <p:txBody>
           <a:bodyPr lIns="90000" rIns="90000" tIns="45000" bIns="45000">
             <a:noAutofit/>
@@ -3761,8 +3830,9 @@
                   <a:srgbClr val="000000"/>
                 </a:solidFill>
                 <a:latin typeface="Arial"/>
-              </a:rPr>
-              <a:t>O resultado da coluna da esquerda seria de 100%, e o da direita cerca de 12.5%, pois ela compararia a primeira letra da linha de cima com a primeira letra da linha de baixo diretamente, e mesmo que tenham um padrão claro, ele não pode ser analisado dessa forma.</a:t>
+                <a:ea typeface="DejaVu Sans"/>
+              </a:rPr>
+              <a:t>O resultado da coluna da esquerda seria de 100%, e o da direita cerca de 12,5%, pois ela compararia a primeira letra da linha de cima com a primeira letra da linha de baixo diretamente, e mesmo que tenham um padrão claro, ele não pode ser analisado dessa forma.</a:t>
             </a:r>
             <a:endParaRPr b="0" lang="pt-BR" sz="1800" spc="-1" strike="noStrike">
               <a:latin typeface="Arial"/>
@@ -3802,14 +3872,14 @@
       </p:grpSpPr>
       <p:sp>
         <p:nvSpPr>
-          <p:cNvPr id="65" name="CustomShape 1"/>
+          <p:cNvPr id="62" name="CustomShape 1"/>
           <p:cNvSpPr/>
           <p:nvPr/>
         </p:nvSpPr>
         <p:spPr>
           <a:xfrm>
             <a:off x="0" y="6318000"/>
-            <a:ext cx="12191760" cy="539640"/>
+            <a:ext cx="12191400" cy="539280"/>
           </a:xfrm>
           <a:prstGeom prst="rect">
             <a:avLst/>
@@ -3838,14 +3908,14 @@
       </p:sp>
       <p:sp>
         <p:nvSpPr>
-          <p:cNvPr id="66" name="CustomShape 2"/>
+          <p:cNvPr id="63" name="CustomShape 2"/>
           <p:cNvSpPr/>
           <p:nvPr/>
         </p:nvSpPr>
         <p:spPr>
           <a:xfrm>
             <a:off x="122760" y="6318000"/>
-            <a:ext cx="9939600" cy="539640"/>
+            <a:ext cx="9939240" cy="539280"/>
           </a:xfrm>
           <a:prstGeom prst="rect">
             <a:avLst/>
@@ -3877,6 +3947,7 @@
                   <a:srgbClr val="ffffff"/>
                 </a:solidFill>
                 <a:latin typeface="Arial"/>
+                <a:ea typeface="DejaVu Sans"/>
               </a:rPr>
               <a:t>SISTEMA DE RECOMENDAÇÃO DE MÚSICAS</a:t>
             </a:r>
@@ -3888,14 +3959,14 @@
       </p:sp>
       <p:sp>
         <p:nvSpPr>
-          <p:cNvPr id="67" name="CustomShape 3"/>
+          <p:cNvPr id="64" name="CustomShape 3"/>
           <p:cNvSpPr/>
           <p:nvPr/>
         </p:nvSpPr>
         <p:spPr>
           <a:xfrm>
             <a:off x="341280" y="-13680"/>
-            <a:ext cx="11463840" cy="3793680"/>
+            <a:ext cx="11463480" cy="3793320"/>
           </a:xfrm>
           <a:prstGeom prst="rect">
             <a:avLst/>
@@ -3932,7 +4003,7 @@
                 <a:latin typeface="Arial"/>
                 <a:ea typeface="Microsoft YaHei"/>
               </a:rPr>
-              <a:t>Assim decidimos investir por outro método, e em uma de nossas reuniões idealizamos deixar de lado o grande arquivo .wav para dar lugar ao .mid que é um arquivo que carrega informações de música de forma diferente, codificando-a através de notas musicas e não apenas representações de ondas.</a:t>
+              <a:t>Assim foi decidido investir por outro método, que seria em vez de usar os arquivos WAV passar a utilizar arquivos do tipo MID. Esse tipo de arquivo carrega informações de música de forma diferente, codificando-a através de notas musicas e não apenas representações de ondas.</a:t>
             </a:r>
             <a:endParaRPr b="0" lang="pt-BR" sz="1800" spc="-1" strike="noStrike">
               <a:latin typeface="Arial"/>
@@ -3955,7 +4026,7 @@
                 <a:latin typeface="Arial"/>
                 <a:ea typeface="Microsoft YaHei"/>
               </a:rPr>
-              <a:t>Com esse arquivo, podemos analisar a melodia de cada música, de forma com que deixamos de lado o excesso de dados a serem lidos através do .wav, e também conseguimos uma leitura muito mais rápida! (cerca de 7s por teste).</a:t>
+              <a:t>Com esse arquivo, é possível analisar a melodia de cada música, de forma com que deixamos de lado o excesso de dados a serem lidos através do .wav, e também conseguimos uma leitura mais rápida (cerca de 7s por teste).</a:t>
             </a:r>
             <a:endParaRPr b="0" lang="pt-BR" sz="1800" spc="-1" strike="noStrike">
               <a:latin typeface="Arial"/>
@@ -3978,7 +4049,7 @@
                 <a:latin typeface="Arial"/>
                 <a:ea typeface="Microsoft YaHei"/>
               </a:rPr>
-              <a:t>Até o momento estamos nesse estágio de testes e aprimorando nossa forma de análise, pois com esse arquivo .mid podemos também fazer uma análise de espectro musical, como pode ser visto abaixo em comparação com a onda normal de som:</a:t>
+              <a:t>O projeto, atualmente, se encontra nesse estágio de testes e aprimorando a forma de análise, pois com esse arquivo MID é possível também fazer uma análise de espectro musical, como pode ser visto abaixo em comparação com a onda normal de som:</a:t>
             </a:r>
             <a:endParaRPr b="0" lang="pt-BR" sz="1800" spc="-1" strike="noStrike">
               <a:latin typeface="Arial"/>
@@ -3988,7 +4059,7 @@
       </p:sp>
       <p:pic>
         <p:nvPicPr>
-          <p:cNvPr id="68" name="Imagem 6_4" descr="Logotipo&#10;&#10;Descrição gerada automaticamente"/>
+          <p:cNvPr id="65" name="Imagem 6_4" descr="Logotipo&#10;&#10;Descrição gerada automaticamente"/>
           <p:cNvPicPr/>
           <p:nvPr/>
         </p:nvPicPr>
@@ -3999,7 +4070,7 @@
         <p:spPr>
           <a:xfrm>
             <a:off x="9761400" y="5808600"/>
-            <a:ext cx="2403000" cy="1053000"/>
+            <a:ext cx="2402640" cy="1052640"/>
           </a:xfrm>
           <a:prstGeom prst="rect">
             <a:avLst/>
@@ -4011,7 +4082,7 @@
       </p:pic>
       <p:pic>
         <p:nvPicPr>
-          <p:cNvPr id="69" name="" descr=""/>
+          <p:cNvPr id="66" name="Imagem 68" descr=""/>
           <p:cNvPicPr/>
           <p:nvPr/>
         </p:nvPicPr>
@@ -4022,7 +4093,7 @@
         <p:spPr>
           <a:xfrm>
             <a:off x="5220000" y="3400920"/>
-            <a:ext cx="4504320" cy="2917080"/>
+            <a:ext cx="4503960" cy="2916720"/>
           </a:xfrm>
           <a:prstGeom prst="rect">
             <a:avLst/>
@@ -4034,14 +4105,14 @@
       </p:pic>
       <p:sp>
         <p:nvSpPr>
-          <p:cNvPr id="70" name="TextShape 4"/>
-          <p:cNvSpPr txBox="1"/>
+          <p:cNvPr id="67" name="CustomShape 4"/>
+          <p:cNvSpPr/>
           <p:nvPr/>
         </p:nvSpPr>
         <p:spPr>
           <a:xfrm>
             <a:off x="360000" y="3960000"/>
-            <a:ext cx="4680000" cy="2160000"/>
+            <a:ext cx="4679640" cy="2159640"/>
           </a:xfrm>
           <a:prstGeom prst="rect">
             <a:avLst/>
@@ -4051,6 +4122,12 @@
             <a:noFill/>
           </a:ln>
         </p:spPr>
+        <p:style>
+          <a:lnRef idx="0"/>
+          <a:fillRef idx="0"/>
+          <a:effectRef idx="0"/>
+          <a:fontRef idx="minor"/>
+        </p:style>
         <p:txBody>
           <a:bodyPr lIns="90000" rIns="90000" tIns="45000" bIns="45000">
             <a:noAutofit/>
@@ -4072,7 +4149,7 @@
                 <a:latin typeface="Arial"/>
                 <a:ea typeface="Microsoft YaHei"/>
               </a:rPr>
-              <a:t>Como pode ser visto ao lado, o espectrograma consegue aplicar cores aos sons de acordo com as notas, assim deixando possível uma análise visual de melodia (tanto como não visual).</a:t>
+              <a:t>Por meio do espectrograma é possível aplicar cores aos sons de acordo com as notas, assim deixando possível uma análise visual de melodia (tanto como não visual).</a:t>
             </a:r>
             <a:endParaRPr b="0" lang="pt-BR" sz="1800" spc="-1" strike="noStrike">
               <a:latin typeface="Arial"/>
@@ -4112,14 +4189,14 @@
       </p:grpSpPr>
       <p:sp>
         <p:nvSpPr>
-          <p:cNvPr id="71" name="CustomShape 1"/>
+          <p:cNvPr id="68" name="CustomShape 1"/>
           <p:cNvSpPr/>
           <p:nvPr/>
         </p:nvSpPr>
         <p:spPr>
           <a:xfrm>
             <a:off x="0" y="6318000"/>
-            <a:ext cx="12191760" cy="539640"/>
+            <a:ext cx="12191400" cy="539280"/>
           </a:xfrm>
           <a:prstGeom prst="rect">
             <a:avLst/>
@@ -4148,14 +4225,14 @@
       </p:sp>
       <p:sp>
         <p:nvSpPr>
-          <p:cNvPr id="72" name="CustomShape 2"/>
+          <p:cNvPr id="69" name="CustomShape 2"/>
           <p:cNvSpPr/>
           <p:nvPr/>
         </p:nvSpPr>
         <p:spPr>
           <a:xfrm>
             <a:off x="122760" y="6318000"/>
-            <a:ext cx="9939600" cy="539640"/>
+            <a:ext cx="9939240" cy="539280"/>
           </a:xfrm>
           <a:prstGeom prst="rect">
             <a:avLst/>
@@ -4187,6 +4264,7 @@
                   <a:srgbClr val="ffffff"/>
                 </a:solidFill>
                 <a:latin typeface="Arial"/>
+                <a:ea typeface="DejaVu Sans"/>
               </a:rPr>
               <a:t>SISTEMA DE RECOMENDAÇÃO DE MÚSICAS</a:t>
             </a:r>
@@ -4198,14 +4276,14 @@
       </p:sp>
       <p:sp>
         <p:nvSpPr>
-          <p:cNvPr id="73" name="CustomShape 3"/>
+          <p:cNvPr id="70" name="CustomShape 3"/>
           <p:cNvSpPr/>
           <p:nvPr/>
         </p:nvSpPr>
         <p:spPr>
           <a:xfrm>
             <a:off x="341280" y="486360"/>
-            <a:ext cx="11463840" cy="4890240"/>
+            <a:ext cx="11463480" cy="4478760"/>
           </a:xfrm>
           <a:prstGeom prst="rect">
             <a:avLst/>
@@ -4240,6 +4318,7 @@
                   <a:srgbClr val="000000"/>
                 </a:solidFill>
                 <a:latin typeface="Arial"/>
+                <a:ea typeface="DejaVu Sans"/>
               </a:rPr>
               <a:t>Conclusões:</a:t>
             </a:r>
@@ -4262,6 +4341,7 @@
                   <a:srgbClr val="000000"/>
                 </a:solidFill>
                 <a:latin typeface="Arial"/>
+                <a:ea typeface="DejaVu Sans"/>
               </a:rPr>
               <a:t>Ainda não é possível apresentar as conclusões, embora estejamos perto de conseguir.</a:t>
             </a:r>
@@ -4284,8 +4364,9 @@
                   <a:srgbClr val="000000"/>
                 </a:solidFill>
                 <a:latin typeface="Arial"/>
-              </a:rPr>
-              <a:t>Nossos próximos passos são:</a:t>
+                <a:ea typeface="DejaVu Sans"/>
+              </a:rPr>
+              <a:t>Os próximos passos são:</a:t>
             </a:r>
             <a:endParaRPr b="0" lang="pt-BR" sz="1800" spc="-1" strike="noStrike">
               <a:latin typeface="Arial"/>
@@ -4306,6 +4387,7 @@
                   <a:srgbClr val="000000"/>
                 </a:solidFill>
                 <a:latin typeface="Arial"/>
+                <a:ea typeface="DejaVu Sans"/>
               </a:rPr>
               <a:t>- Apresentar uma análise que não seja alterada pelo shift de dados e consiga detectar padrões sem que se percam dados nesse trajeto.</a:t>
             </a:r>
@@ -4328,6 +4410,7 @@
                   <a:srgbClr val="000000"/>
                 </a:solidFill>
                 <a:latin typeface="Arial"/>
+                <a:ea typeface="DejaVu Sans"/>
               </a:rPr>
               <a:t>- Aplicar de forma concreta nos banco de dados disponíveis.</a:t>
             </a:r>
@@ -4350,8 +4433,9 @@
                   <a:srgbClr val="000000"/>
                 </a:solidFill>
                 <a:latin typeface="Arial"/>
-              </a:rPr>
-              <a:t>- Entregar os resultados juntamente com um relatório.</a:t>
+                <a:ea typeface="DejaVu Sans"/>
+              </a:rPr>
+              <a:t>- Obter resultados dessa nova abordagem.</a:t>
             </a:r>
             <a:endParaRPr b="0" lang="pt-BR" sz="1800" spc="-1" strike="noStrike">
               <a:latin typeface="Arial"/>
@@ -4372,6 +4456,7 @@
                   <a:srgbClr val="000000"/>
                 </a:solidFill>
                 <a:latin typeface="Arial"/>
+                <a:ea typeface="DejaVu Sans"/>
               </a:rPr>
               <a:t>Agradecimentos:</a:t>
             </a:r>
@@ -4394,8 +4479,9 @@
                   <a:srgbClr val="000000"/>
                 </a:solidFill>
                 <a:latin typeface="Arial"/>
-              </a:rPr>
-              <a:t>Agradecemos à Jamendo por disponibilizar uma ferramenta para navegar em seu banco de dados de música de forma gratuita e ao Instituto Federal de Ciência e Tecnologia de São Paulo pela oportunidade e pelo apoio, o qual está sendo essencial!</a:t>
+                <a:ea typeface="DejaVu Sans"/>
+              </a:rPr>
+              <a:t>Agradecemos à Jamendo por disponibilizar uma ferramenta para navegar em seu banco de dados de música de forma gratuita e ao IFSP de Bragança Paulista pela oportunidade e pelo apoio financeiro.</a:t>
             </a:r>
             <a:endParaRPr b="0" lang="pt-BR" sz="1800" spc="-1" strike="noStrike">
               <a:latin typeface="Arial"/>
@@ -4405,7 +4491,7 @@
       </p:sp>
       <p:pic>
         <p:nvPicPr>
-          <p:cNvPr id="74" name="Imagem 6_5" descr="Logotipo&#10;&#10;Descrição gerada automaticamente"/>
+          <p:cNvPr id="71" name="Imagem 6_5" descr="Logotipo&#10;&#10;Descrição gerada automaticamente"/>
           <p:cNvPicPr/>
           <p:nvPr/>
         </p:nvPicPr>
@@ -4416,7 +4502,7 @@
         <p:spPr>
           <a:xfrm>
             <a:off x="9761400" y="5808600"/>
-            <a:ext cx="2403000" cy="1053000"/>
+            <a:ext cx="2402640" cy="1052640"/>
           </a:xfrm>
           <a:prstGeom prst="rect">
             <a:avLst/>
@@ -4458,14 +4544,14 @@
       </p:grpSpPr>
       <p:sp>
         <p:nvSpPr>
-          <p:cNvPr id="75" name="CustomShape 1"/>
+          <p:cNvPr id="72" name="CustomShape 1"/>
           <p:cNvSpPr/>
           <p:nvPr/>
         </p:nvSpPr>
         <p:spPr>
           <a:xfrm>
             <a:off x="0" y="6318000"/>
-            <a:ext cx="12191760" cy="539640"/>
+            <a:ext cx="12191400" cy="539280"/>
           </a:xfrm>
           <a:prstGeom prst="rect">
             <a:avLst/>
@@ -4494,14 +4580,14 @@
       </p:sp>
       <p:sp>
         <p:nvSpPr>
-          <p:cNvPr id="76" name="CustomShape 2"/>
+          <p:cNvPr id="73" name="CustomShape 2"/>
           <p:cNvSpPr/>
           <p:nvPr/>
         </p:nvSpPr>
         <p:spPr>
           <a:xfrm>
             <a:off x="122760" y="6318000"/>
-            <a:ext cx="9939600" cy="539640"/>
+            <a:ext cx="9939240" cy="539280"/>
           </a:xfrm>
           <a:prstGeom prst="rect">
             <a:avLst/>
@@ -4533,6 +4619,7 @@
                   <a:srgbClr val="ffffff"/>
                 </a:solidFill>
                 <a:latin typeface="Arial"/>
+                <a:ea typeface="DejaVu Sans"/>
               </a:rPr>
               <a:t>SISTEMA DE RECOMENDAÇÃO DE MÚSICAS</a:t>
             </a:r>
@@ -4544,14 +4631,14 @@
       </p:sp>
       <p:sp>
         <p:nvSpPr>
-          <p:cNvPr id="77" name="CustomShape 3"/>
+          <p:cNvPr id="74" name="CustomShape 3"/>
           <p:cNvSpPr/>
           <p:nvPr/>
         </p:nvSpPr>
         <p:spPr>
           <a:xfrm>
             <a:off x="341280" y="486360"/>
-            <a:ext cx="11463840" cy="1186920"/>
+            <a:ext cx="11463480" cy="4478760"/>
           </a:xfrm>
           <a:prstGeom prst="rect">
             <a:avLst/>
@@ -4586,6 +4673,7 @@
                   <a:srgbClr val="000000"/>
                 </a:solidFill>
                 <a:latin typeface="Arial"/>
+                <a:ea typeface="DejaVu Sans"/>
               </a:rPr>
               <a:t>Referências Bibliográficas:</a:t>
             </a:r>
@@ -4602,7 +4690,219 @@
                 <a:tab algn="l" pos="0"/>
               </a:tabLst>
             </a:pPr>
-            <a:endParaRPr b="0" lang="pt-BR" sz="2400" spc="-1" strike="noStrike">
+            <a:r>
+              <a:rPr b="0" lang="pt-BR" sz="1800" spc="-1" strike="noStrike">
+                <a:solidFill>
+                  <a:srgbClr val="000000"/>
+                </a:solidFill>
+                <a:latin typeface="Arial"/>
+                <a:ea typeface="DejaVu Sans"/>
+              </a:rPr>
+              <a:t>	</a:t>
+            </a:r>
+            <a:r>
+              <a:rPr b="0" lang="pt-BR" sz="1800" spc="-1" strike="noStrike">
+                <a:solidFill>
+                  <a:srgbClr val="000000"/>
+                </a:solidFill>
+                <a:latin typeface="Arial"/>
+                <a:ea typeface="DejaVu Sans"/>
+              </a:rPr>
+              <a:t>	</a:t>
+            </a:r>
+            <a:r>
+              <a:rPr b="0" lang="pt-BR" sz="1800" spc="-1" strike="noStrike">
+                <a:solidFill>
+                  <a:srgbClr val="000000"/>
+                </a:solidFill>
+                <a:latin typeface="Arial"/>
+                <a:ea typeface="DejaVu Sans"/>
+              </a:rPr>
+              <a:t>- Análise de Qualidade de Áudio Objetiva e Subjetiva em vários formatos digitais – 2017 – André Yuiji Tanaka, Elton Ribeiro Barbosa e Ryan Seiyu Yamaguchi Kimura.</a:t>
+            </a:r>
+            <a:endParaRPr b="0" lang="pt-BR" sz="1800" spc="-1" strike="noStrike">
+              <a:latin typeface="Arial"/>
+            </a:endParaRPr>
+          </a:p>
+          <a:p>
+            <a:pPr algn="just">
+              <a:lnSpc>
+                <a:spcPct val="150000"/>
+              </a:lnSpc>
+              <a:tabLst>
+                <a:tab algn="l" pos="0"/>
+              </a:tabLst>
+            </a:pPr>
+            <a:r>
+              <a:rPr b="0" lang="pt-BR" sz="2400" spc="-1" strike="noStrike">
+                <a:solidFill>
+                  <a:srgbClr val="000000"/>
+                </a:solidFill>
+                <a:latin typeface="Arial"/>
+                <a:ea typeface="DejaVu Sans"/>
+              </a:rPr>
+              <a:t>	</a:t>
+            </a:r>
+            <a:r>
+              <a:rPr b="0" lang="pt-BR" sz="2400" spc="-1" strike="noStrike">
+                <a:solidFill>
+                  <a:srgbClr val="000000"/>
+                </a:solidFill>
+                <a:latin typeface="Arial"/>
+                <a:ea typeface="DejaVu Sans"/>
+              </a:rPr>
+              <a:t>	</a:t>
+            </a:r>
+            <a:r>
+              <a:rPr b="0" lang="pt-BR" sz="2400" spc="-1" strike="noStrike">
+                <a:solidFill>
+                  <a:srgbClr val="000000"/>
+                </a:solidFill>
+                <a:latin typeface="Arial"/>
+                <a:ea typeface="DejaVu Sans"/>
+              </a:rPr>
+              <a:t>- </a:t>
+            </a:r>
+            <a:r>
+              <a:rPr b="0" lang="pt-BR" sz="1800" spc="-1" strike="noStrike">
+                <a:solidFill>
+                  <a:srgbClr val="000000"/>
+                </a:solidFill>
+                <a:latin typeface="Arial"/>
+                <a:ea typeface="DejaVu Sans"/>
+              </a:rPr>
+              <a:t>Formatos de Arquivos de som na internet: uma visão contemporânea – usos, expectativas e tendências – 2003 – Marcelo José Baasch Filomeno.</a:t>
+            </a:r>
+            <a:endParaRPr b="0" lang="pt-BR" sz="1800" spc="-1" strike="noStrike">
+              <a:latin typeface="Arial"/>
+            </a:endParaRPr>
+          </a:p>
+          <a:p>
+            <a:pPr algn="just">
+              <a:lnSpc>
+                <a:spcPct val="150000"/>
+              </a:lnSpc>
+              <a:tabLst>
+                <a:tab algn="l" pos="0"/>
+              </a:tabLst>
+            </a:pPr>
+            <a:r>
+              <a:rPr b="0" lang="pt-BR" sz="1800" spc="-1" strike="noStrike">
+                <a:solidFill>
+                  <a:srgbClr val="000000"/>
+                </a:solidFill>
+                <a:latin typeface="Arial"/>
+                <a:ea typeface="DejaVu Sans"/>
+              </a:rPr>
+              <a:t>	</a:t>
+            </a:r>
+            <a:r>
+              <a:rPr b="0" lang="pt-BR" sz="1800" spc="-1" strike="noStrike">
+                <a:solidFill>
+                  <a:srgbClr val="000000"/>
+                </a:solidFill>
+                <a:latin typeface="Arial"/>
+                <a:ea typeface="DejaVu Sans"/>
+              </a:rPr>
+              <a:t>	</a:t>
+            </a:r>
+            <a:r>
+              <a:rPr b="0" lang="pt-BR" sz="1800" spc="-1" strike="noStrike">
+                <a:solidFill>
+                  <a:srgbClr val="000000"/>
+                </a:solidFill>
+                <a:latin typeface="Arial"/>
+                <a:ea typeface="DejaVu Sans"/>
+              </a:rPr>
+              <a:t>-  Efficient Index-Based Audio Matching – 2008 – Frank Kurth, Member, IEEE, and Meinard Muller.</a:t>
+            </a:r>
+            <a:endParaRPr b="0" lang="pt-BR" sz="1800" spc="-1" strike="noStrike">
+              <a:latin typeface="Arial"/>
+            </a:endParaRPr>
+          </a:p>
+          <a:p>
+            <a:pPr algn="just">
+              <a:lnSpc>
+                <a:spcPct val="150000"/>
+              </a:lnSpc>
+              <a:tabLst>
+                <a:tab algn="l" pos="0"/>
+              </a:tabLst>
+            </a:pPr>
+            <a:r>
+              <a:rPr b="0" lang="pt-BR" sz="1800" spc="-1" strike="noStrike">
+                <a:solidFill>
+                  <a:srgbClr val="000000"/>
+                </a:solidFill>
+                <a:latin typeface="Arial"/>
+                <a:ea typeface="DejaVu Sans"/>
+              </a:rPr>
+              <a:t>	</a:t>
+            </a:r>
+            <a:r>
+              <a:rPr b="0" lang="pt-BR" sz="1800" spc="-1" strike="noStrike">
+                <a:solidFill>
+                  <a:srgbClr val="000000"/>
+                </a:solidFill>
+                <a:latin typeface="Arial"/>
+                <a:ea typeface="DejaVu Sans"/>
+              </a:rPr>
+              <a:t>	</a:t>
+            </a:r>
+            <a:r>
+              <a:rPr b="0" lang="pt-BR" sz="1800" spc="-1" strike="noStrike">
+                <a:solidFill>
+                  <a:srgbClr val="000000"/>
+                </a:solidFill>
+                <a:latin typeface="Arial"/>
+                <a:ea typeface="DejaVu Sans"/>
+              </a:rPr>
+              <a:t>- Performances of low-level Audio Classifiers for Large-scale Music Similarity – 2014 – Julien Osmalskyj, Marc Van Droogenbroeck, Jean-Jacques Embrechts.</a:t>
+            </a:r>
+            <a:endParaRPr b="0" lang="pt-BR" sz="1800" spc="-1" strike="noStrike">
+              <a:latin typeface="Arial"/>
+            </a:endParaRPr>
+          </a:p>
+          <a:p>
+            <a:pPr algn="just">
+              <a:lnSpc>
+                <a:spcPct val="150000"/>
+              </a:lnSpc>
+              <a:tabLst>
+                <a:tab algn="l" pos="0"/>
+              </a:tabLst>
+            </a:pPr>
+            <a:r>
+              <a:rPr b="0" lang="pt-BR" sz="1800" spc="-1" strike="noStrike">
+                <a:solidFill>
+                  <a:srgbClr val="000000"/>
+                </a:solidFill>
+                <a:latin typeface="Arial"/>
+                <a:ea typeface="DejaVu Sans"/>
+              </a:rPr>
+              <a:t>	</a:t>
+            </a:r>
+            <a:r>
+              <a:rPr b="0" lang="pt-BR" sz="1800" spc="-1" strike="noStrike">
+                <a:solidFill>
+                  <a:srgbClr val="000000"/>
+                </a:solidFill>
+                <a:latin typeface="Arial"/>
+                <a:ea typeface="DejaVu Sans"/>
+              </a:rPr>
+              <a:t>	</a:t>
+            </a:r>
+            <a:r>
+              <a:rPr b="0" lang="pt-BR" sz="1800" spc="-1" strike="noStrike">
+                <a:solidFill>
+                  <a:srgbClr val="000000"/>
+                </a:solidFill>
+                <a:latin typeface="Arial"/>
+                <a:ea typeface="DejaVu Sans"/>
+              </a:rPr>
+              <a:t>-  Utilização de funções LSH para busca conceitual baseada em ontologias – 2011 – Luciano Bernardes de Paula. </a:t>
+            </a:r>
+            <a:endParaRPr b="0" lang="pt-BR" sz="1800" spc="-1" strike="noStrike">
               <a:latin typeface="Arial"/>
             </a:endParaRPr>
           </a:p>
@@ -4610,7 +4910,7 @@
       </p:sp>
       <p:pic>
         <p:nvPicPr>
-          <p:cNvPr id="78" name="Imagem 6" descr="Logotipo&#10;&#10;Descrição gerada automaticamente"/>
+          <p:cNvPr id="75" name="Imagem 6" descr="Logotipo&#10;&#10;Descrição gerada automaticamente"/>
           <p:cNvPicPr/>
           <p:nvPr/>
         </p:nvPicPr>
@@ -4621,7 +4921,7 @@
         <p:spPr>
           <a:xfrm>
             <a:off x="9761400" y="5808600"/>
-            <a:ext cx="2403000" cy="1053000"/>
+            <a:ext cx="2402640" cy="1052640"/>
           </a:xfrm>
           <a:prstGeom prst="rect">
             <a:avLst/>
@@ -4868,266 +5168,4 @@
     </a:fmtScheme>
   </a:themeElements>
 </a:theme>
-</file>
-
-<file path=customXml/item1.xml><?xml version="1.0" encoding="utf-8"?>
-<?mso-contentType ?>
-<FormTemplates xmlns="http://schemas.microsoft.com/sharepoint/v3/contenttype/forms">
-  <Display>DocumentLibraryForm</Display>
-  <Edit>DocumentLibraryForm</Edit>
-  <New>DocumentLibraryForm</New>
-</FormTemplates>
-</file>
-
-<file path=customXml/item2.xml><?xml version="1.0" encoding="utf-8"?>
-<p:properties xmlns:p="http://schemas.microsoft.com/office/2006/metadata/properties" xmlns:xsi="http://www.w3.org/2001/XMLSchema-instance" xmlns:pc="http://schemas.microsoft.com/office/infopath/2007/PartnerControls">
-  <documentManagement/>
-</p:properties>
-</file>
-
-<file path=customXml/item3.xml><?xml version="1.0" encoding="utf-8"?>
-<ct:contentTypeSchema xmlns:ct="http://schemas.microsoft.com/office/2006/metadata/contentType" xmlns:ma="http://schemas.microsoft.com/office/2006/metadata/properties/metaAttributes" ct:_="" ma:_="" ma:contentTypeName="Documento" ma:contentTypeID="0x010100CB8842CB7103414896D8DF918F770A99" ma:contentTypeVersion="10" ma:contentTypeDescription="Crie um novo documento." ma:contentTypeScope="" ma:versionID="afd6d2411aada987f526351c1e12f8ec">
-  <xsd:schema xmlns:xsd="http://www.w3.org/2001/XMLSchema" xmlns:xs="http://www.w3.org/2001/XMLSchema" xmlns:p="http://schemas.microsoft.com/office/2006/metadata/properties" xmlns:ns3="9ada0e76-62a2-416a-9bb3-79d749f9db66" xmlns:ns4="91ba03ed-4eec-4cd1-9d0f-3b5b1e2e5a93" targetNamespace="http://schemas.microsoft.com/office/2006/metadata/properties" ma:root="true" ma:fieldsID="29233713dd493ebaceddef9475e0d48f" ns3:_="" ns4:_="">
-    <xsd:import namespace="9ada0e76-62a2-416a-9bb3-79d749f9db66"/>
-    <xsd:import namespace="91ba03ed-4eec-4cd1-9d0f-3b5b1e2e5a93"/>
-    <xsd:element name="properties">
-      <xsd:complexType>
-        <xsd:sequence>
-          <xsd:element name="documentManagement">
-            <xsd:complexType>
-              <xsd:all>
-                <xsd:element ref="ns3:MediaServiceMetadata" minOccurs="0"/>
-                <xsd:element ref="ns3:MediaServiceFastMetadata" minOccurs="0"/>
-                <xsd:element ref="ns4:SharedWithUsers" minOccurs="0"/>
-                <xsd:element ref="ns4:SharedWithDetails" minOccurs="0"/>
-                <xsd:element ref="ns4:SharingHintHash" minOccurs="0"/>
-                <xsd:element ref="ns3:MediaServiceDateTaken" minOccurs="0"/>
-                <xsd:element ref="ns3:MediaServiceAutoTags" minOccurs="0"/>
-                <xsd:element ref="ns3:MediaServiceOCR" minOccurs="0"/>
-                <xsd:element ref="ns3:MediaServiceGenerationTime" minOccurs="0"/>
-                <xsd:element ref="ns3:MediaServiceEventHashCode" minOccurs="0"/>
-              </xsd:all>
-            </xsd:complexType>
-          </xsd:element>
-        </xsd:sequence>
-      </xsd:complexType>
-    </xsd:element>
-  </xsd:schema>
-  <xsd:schema xmlns:xsd="http://www.w3.org/2001/XMLSchema" xmlns:xs="http://www.w3.org/2001/XMLSchema" xmlns:dms="http://schemas.microsoft.com/office/2006/documentManagement/types" xmlns:pc="http://schemas.microsoft.com/office/infopath/2007/PartnerControls" targetNamespace="9ada0e76-62a2-416a-9bb3-79d749f9db66" elementFormDefault="qualified">
-    <xsd:import namespace="http://schemas.microsoft.com/office/2006/documentManagement/types"/>
-    <xsd:import namespace="http://schemas.microsoft.com/office/infopath/2007/PartnerControls"/>
-    <xsd:element name="MediaServiceMetadata" ma:index="8" nillable="true" ma:displayName="MediaServiceMetadata" ma:hidden="true" ma:internalName="MediaServiceMetadata" ma:readOnly="true">
-      <xsd:simpleType>
-        <xsd:restriction base="dms:Note"/>
-      </xsd:simpleType>
-    </xsd:element>
-    <xsd:element name="MediaServiceFastMetadata" ma:index="9" nillable="true" ma:displayName="MediaServiceFastMetadata" ma:hidden="true" ma:internalName="MediaServiceFastMetadata" ma:readOnly="true">
-      <xsd:simpleType>
-        <xsd:restriction base="dms:Note"/>
-      </xsd:simpleType>
-    </xsd:element>
-    <xsd:element name="MediaServiceDateTaken" ma:index="13" nillable="true" ma:displayName="MediaServiceDateTaken" ma:hidden="true" ma:internalName="MediaServiceDateTaken" ma:readOnly="true">
-      <xsd:simpleType>
-        <xsd:restriction base="dms:Text"/>
-      </xsd:simpleType>
-    </xsd:element>
-    <xsd:element name="MediaServiceAutoTags" ma:index="14" nillable="true" ma:displayName="Tags" ma:internalName="MediaServiceAutoTags" ma:readOnly="true">
-      <xsd:simpleType>
-        <xsd:restriction base="dms:Text"/>
-      </xsd:simpleType>
-    </xsd:element>
-    <xsd:element name="MediaServiceOCR" ma:index="15" nillable="true" ma:displayName="Extracted Text" ma:internalName="MediaServiceOCR" ma:readOnly="true">
-      <xsd:simpleType>
-        <xsd:restriction base="dms:Note">
-          <xsd:maxLength value="255"/>
-        </xsd:restriction>
-      </xsd:simpleType>
-    </xsd:element>
-    <xsd:element name="MediaServiceGenerationTime" ma:index="16" nillable="true" ma:displayName="MediaServiceGenerationTime" ma:hidden="true" ma:internalName="MediaServiceGenerationTime" ma:readOnly="true">
-      <xsd:simpleType>
-        <xsd:restriction base="dms:Text"/>
-      </xsd:simpleType>
-    </xsd:element>
-    <xsd:element name="MediaServiceEventHashCode" ma:index="17" nillable="true" ma:displayName="MediaServiceEventHashCode" ma:hidden="true" ma:internalName="MediaServiceEventHashCode" ma:readOnly="true">
-      <xsd:simpleType>
-        <xsd:restriction base="dms:Text"/>
-      </xsd:simpleType>
-    </xsd:element>
-  </xsd:schema>
-  <xsd:schema xmlns:xsd="http://www.w3.org/2001/XMLSchema" xmlns:xs="http://www.w3.org/2001/XMLSchema" xmlns:dms="http://schemas.microsoft.com/office/2006/documentManagement/types" xmlns:pc="http://schemas.microsoft.com/office/infopath/2007/PartnerControls" targetNamespace="91ba03ed-4eec-4cd1-9d0f-3b5b1e2e5a93" elementFormDefault="qualified">
-    <xsd:import namespace="http://schemas.microsoft.com/office/2006/documentManagement/types"/>
-    <xsd:import namespace="http://schemas.microsoft.com/office/infopath/2007/PartnerControls"/>
-    <xsd:element name="SharedWithUsers" ma:index="10" nillable="true" ma:displayName="Compartilhado com" ma:internalName="SharedWithUsers" ma:readOnly="true">
-      <xsd:complexType>
-        <xsd:complexContent>
-          <xsd:extension base="dms:UserMulti">
-            <xsd:sequence>
-              <xsd:element name="UserInfo" minOccurs="0" maxOccurs="unbounded">
-                <xsd:complexType>
-                  <xsd:sequence>
-                    <xsd:element name="DisplayName" type="xsd:string" minOccurs="0"/>
-                    <xsd:element name="AccountId" type="dms:UserId" minOccurs="0" nillable="true"/>
-                    <xsd:element name="AccountType" type="xsd:string" minOccurs="0"/>
-                  </xsd:sequence>
-                </xsd:complexType>
-              </xsd:element>
-            </xsd:sequence>
-          </xsd:extension>
-        </xsd:complexContent>
-      </xsd:complexType>
-    </xsd:element>
-    <xsd:element name="SharedWithDetails" ma:index="11" nillable="true" ma:displayName="Detalhes de Compartilhado Com" ma:internalName="SharedWithDetails" ma:readOnly="true">
-      <xsd:simpleType>
-        <xsd:restriction base="dms:Note">
-          <xsd:maxLength value="255"/>
-        </xsd:restriction>
-      </xsd:simpleType>
-    </xsd:element>
-    <xsd:element name="SharingHintHash" ma:index="12" nillable="true" ma:displayName="Hash de Dica de Compartilhamento" ma:hidden="true" ma:internalName="SharingHintHash" ma:readOnly="true">
-      <xsd:simpleType>
-        <xsd:restriction base="dms:Text"/>
-      </xsd:simpleType>
-    </xsd:element>
-  </xsd:schema>
-  <xsd:schema xmlns="http://schemas.openxmlformats.org/package/2006/metadata/core-properties" xmlns:xsd="http://www.w3.org/2001/XMLSchema" xmlns:xsi="http://www.w3.org/2001/XMLSchema-instance" xmlns:dc="http://purl.org/dc/elements/1.1/" xmlns:dcterms="http://purl.org/dc/terms/" xmlns:odoc="http://schemas.microsoft.com/internal/obd" targetNamespace="http://schemas.openxmlformats.org/package/2006/metadata/core-properties" elementFormDefault="qualified" attributeFormDefault="unqualified" blockDefault="#all">
-    <xsd:import namespace="http://purl.org/dc/elements/1.1/" schemaLocation="http://dublincore.org/schemas/xmls/qdc/2003/04/02/dc.xsd"/>
-    <xsd:import namespace="http://purl.org/dc/terms/" schemaLocation="http://dublincore.org/schemas/xmls/qdc/2003/04/02/dcterms.xsd"/>
-    <xsd:element name="coreProperties" type="CT_coreProperties"/>
-    <xsd:complexType name="CT_coreProperties">
-      <xsd:all>
-        <xsd:element ref="dc:creator" minOccurs="0" maxOccurs="1"/>
-        <xsd:element ref="dcterms:created" minOccurs="0" maxOccurs="1"/>
-        <xsd:element ref="dc:identifier" minOccurs="0" maxOccurs="1"/>
-        <xsd:element name="contentType" minOccurs="0" maxOccurs="1" type="xsd:string" ma:index="0" ma:displayName="Tipo de Conteúdo"/>
-        <xsd:element ref="dc:title" minOccurs="0" maxOccurs="1" ma:index="4" ma:displayName="Título"/>
-        <xsd:element ref="dc:subject" minOccurs="0" maxOccurs="1"/>
-        <xsd:element ref="dc:description" minOccurs="0" maxOccurs="1"/>
-        <xsd:element name="keywords" minOccurs="0" maxOccurs="1" type="xsd:string"/>
-        <xsd:element ref="dc:language" minOccurs="0" maxOccurs="1"/>
-        <xsd:element name="category" minOccurs="0" maxOccurs="1" type="xsd:string"/>
-        <xsd:element name="version" minOccurs="0" maxOccurs="1" type="xsd:string"/>
-        <xsd:element name="revision" minOccurs="0" maxOccurs="1" type="xsd:string">
-          <xsd:annotation>
-            <xsd:documentation>
-                        This value indicates the number of saves or revisions. The application is responsible for updating this value after each revision.
-                    </xsd:documentation>
-          </xsd:annotation>
-        </xsd:element>
-        <xsd:element name="lastModifiedBy" minOccurs="0" maxOccurs="1" type="xsd:string"/>
-        <xsd:element ref="dcterms:modified" minOccurs="0" maxOccurs="1"/>
-        <xsd:element name="contentStatus" minOccurs="0" maxOccurs="1" type="xsd:string"/>
-      </xsd:all>
-    </xsd:complexType>
-  </xsd:schema>
-  <xs:schema xmlns:pc="http://schemas.microsoft.com/office/infopath/2007/PartnerControls" xmlns:xs="http://www.w3.org/2001/XMLSchema" targetNamespace="http://schemas.microsoft.com/office/infopath/2007/PartnerControls" elementFormDefault="qualified" attributeFormDefault="unqualified">
-    <xs:element name="Person">
-      <xs:complexType>
-        <xs:sequence>
-          <xs:element ref="pc:DisplayName" minOccurs="0"/>
-          <xs:element ref="pc:AccountId" minOccurs="0"/>
-          <xs:element ref="pc:AccountType" minOccurs="0"/>
-        </xs:sequence>
-      </xs:complexType>
-    </xs:element>
-    <xs:element name="DisplayName" type="xs:string"/>
-    <xs:element name="AccountId" type="xs:string"/>
-    <xs:element name="AccountType" type="xs:string"/>
-    <xs:element name="BDCAssociatedEntity">
-      <xs:complexType>
-        <xs:sequence>
-          <xs:element ref="pc:BDCEntity" minOccurs="0" maxOccurs="unbounded"/>
-        </xs:sequence>
-        <xs:attribute ref="pc:EntityNamespace"/>
-        <xs:attribute ref="pc:EntityName"/>
-        <xs:attribute ref="pc:SystemInstanceName"/>
-        <xs:attribute ref="pc:AssociationName"/>
-      </xs:complexType>
-    </xs:element>
-    <xs:attribute name="EntityNamespace" type="xs:string"/>
-    <xs:attribute name="EntityName" type="xs:string"/>
-    <xs:attribute name="SystemInstanceName" type="xs:string"/>
-    <xs:attribute name="AssociationName" type="xs:string"/>
-    <xs:element name="BDCEntity">
-      <xs:complexType>
-        <xs:sequence>
-          <xs:element ref="pc:EntityDisplayName" minOccurs="0"/>
-          <xs:element ref="pc:EntityInstanceReference" minOccurs="0"/>
-          <xs:element ref="pc:EntityId1" minOccurs="0"/>
-          <xs:element ref="pc:EntityId2" minOccurs="0"/>
-          <xs:element ref="pc:EntityId3" minOccurs="0"/>
-          <xs:element ref="pc:EntityId4" minOccurs="0"/>
-          <xs:element ref="pc:EntityId5" minOccurs="0"/>
-        </xs:sequence>
-      </xs:complexType>
-    </xs:element>
-    <xs:element name="EntityDisplayName" type="xs:string"/>
-    <xs:element name="EntityInstanceReference" type="xs:string"/>
-    <xs:element name="EntityId1" type="xs:string"/>
-    <xs:element name="EntityId2" type="xs:string"/>
-    <xs:element name="EntityId3" type="xs:string"/>
-    <xs:element name="EntityId4" type="xs:string"/>
-    <xs:element name="EntityId5" type="xs:string"/>
-    <xs:element name="Terms">
-      <xs:complexType>
-        <xs:sequence>
-          <xs:element ref="pc:TermInfo" minOccurs="0" maxOccurs="unbounded"/>
-        </xs:sequence>
-      </xs:complexType>
-    </xs:element>
-    <xs:element name="TermInfo">
-      <xs:complexType>
-        <xs:sequence>
-          <xs:element ref="pc:TermName" minOccurs="0"/>
-          <xs:element ref="pc:TermId" minOccurs="0"/>
-        </xs:sequence>
-      </xs:complexType>
-    </xs:element>
-    <xs:element name="TermName" type="xs:string"/>
-    <xs:element name="TermId" type="xs:string"/>
-  </xs:schema>
-</ct:contentTypeSchema>
-</file>
-
-<file path=customXml/itemProps1.xml><?xml version="1.0" encoding="utf-8"?>
-<ds:datastoreItem xmlns:ds="http://schemas.openxmlformats.org/officeDocument/2006/customXml" ds:itemID="{1E24A943-2C0C-44A7-85B1-D60AFAE8643F}">
-  <ds:schemaRefs>
-    <ds:schemaRef ds:uri="http://schemas.microsoft.com/sharepoint/v3/contenttype/forms"/>
-  </ds:schemaRefs>
-</ds:datastoreItem>
-</file>
-
-<file path=customXml/itemProps2.xml><?xml version="1.0" encoding="utf-8"?>
-<ds:datastoreItem xmlns:ds="http://schemas.openxmlformats.org/officeDocument/2006/customXml" ds:itemID="{E24680D7-CFAC-4B64-87B5-DB40E92B41A3}">
-  <ds:schemaRefs>
-    <ds:schemaRef ds:uri="http://schemas.openxmlformats.org/package/2006/metadata/core-properties"/>
-    <ds:schemaRef ds:uri="http://purl.org/dc/terms/"/>
-    <ds:schemaRef ds:uri="http://purl.org/dc/elements/1.1/"/>
-    <ds:schemaRef ds:uri="http://purl.org/dc/dcmitype/"/>
-    <ds:schemaRef ds:uri="http://www.w3.org/XML/1998/namespace"/>
-    <ds:schemaRef ds:uri="http://schemas.microsoft.com/office/2006/documentManagement/types"/>
-    <ds:schemaRef ds:uri="http://schemas.microsoft.com/office/2006/metadata/properties"/>
-    <ds:schemaRef ds:uri="http://schemas.microsoft.com/office/infopath/2007/PartnerControls"/>
-    <ds:schemaRef ds:uri="91ba03ed-4eec-4cd1-9d0f-3b5b1e2e5a93"/>
-    <ds:schemaRef ds:uri="9ada0e76-62a2-416a-9bb3-79d749f9db66"/>
-  </ds:schemaRefs>
-</ds:datastoreItem>
-</file>
-
-<file path=customXml/itemProps3.xml><?xml version="1.0" encoding="utf-8"?>
-<ds:datastoreItem xmlns:ds="http://schemas.openxmlformats.org/officeDocument/2006/customXml" ds:itemID="{12657045-753E-4742-A5B5-1DEAF43E5F03}">
-  <ds:schemaRefs>
-    <ds:schemaRef ds:uri="http://schemas.microsoft.com/office/2006/metadata/contentType"/>
-    <ds:schemaRef ds:uri="http://schemas.microsoft.com/office/2006/metadata/properties/metaAttributes"/>
-    <ds:schemaRef ds:uri="http://www.w3.org/2001/XMLSchema"/>
-    <ds:schemaRef ds:uri="http://schemas.microsoft.com/office/2006/metadata/properties"/>
-    <ds:schemaRef ds:uri="9ada0e76-62a2-416a-9bb3-79d749f9db66"/>
-    <ds:schemaRef ds:uri="91ba03ed-4eec-4cd1-9d0f-3b5b1e2e5a93"/>
-    <ds:schemaRef ds:uri="http://schemas.microsoft.com/office/2006/documentManagement/types"/>
-    <ds:schemaRef ds:uri="http://schemas.microsoft.com/office/infopath/2007/PartnerControls"/>
-    <ds:schemaRef ds:uri="http://schemas.openxmlformats.org/package/2006/metadata/core-properties"/>
-    <ds:schemaRef ds:uri="http://purl.org/dc/elements/1.1/"/>
-    <ds:schemaRef ds:uri="http://purl.org/dc/terms/"/>
-    <ds:schemaRef ds:uri="http://schemas.microsoft.com/internal/obd"/>
-  </ds:schemaRefs>
-</ds:datastoreItem>
 </file>
--- a/4aMostraEPE/MostraDigitalEPE_modelo-Pesquisa.pptx
+++ b/4aMostraEPE/MostraDigitalEPE_modelo-Pesquisa.pptx
@@ -71,7 +71,7 @@
         <p:spPr>
           <a:xfrm>
             <a:off x="1523880" y="1122480"/>
-            <a:ext cx="9143280" cy="2386800"/>
+            <a:ext cx="9142920" cy="2386440"/>
           </a:xfrm>
           <a:prstGeom prst="rect">
             <a:avLst/>
@@ -82,10 +82,8 @@
             <a:noAutofit/>
           </a:bodyPr>
           <a:p>
-            <a:endParaRPr b="0" lang="pt-BR" sz="1800" spc="-1" strike="noStrike">
-              <a:solidFill>
-                <a:srgbClr val="000000"/>
-              </a:solidFill>
+            <a:pPr algn="ctr"/>
+            <a:endParaRPr b="0" lang="pt-BR" sz="4400" spc="-1" strike="noStrike">
               <a:latin typeface="Arial"/>
             </a:endParaRPr>
           </a:p>
@@ -104,7 +102,7 @@
         <p:spPr>
           <a:xfrm>
             <a:off x="609480" y="1604520"/>
-            <a:ext cx="10972440" cy="1896840"/>
+            <a:ext cx="10972080" cy="1896840"/>
           </a:xfrm>
           <a:prstGeom prst="rect">
             <a:avLst/>
@@ -115,10 +113,7 @@
             <a:normAutofit/>
           </a:bodyPr>
           <a:p>
-            <a:endParaRPr b="0" lang="pt-BR" sz="2800" spc="-1" strike="noStrike">
-              <a:solidFill>
-                <a:srgbClr val="000000"/>
-              </a:solidFill>
+            <a:endParaRPr b="0" lang="pt-BR" sz="3200" spc="-1" strike="noStrike">
               <a:latin typeface="Arial"/>
             </a:endParaRPr>
           </a:p>
@@ -137,7 +132,7 @@
         <p:spPr>
           <a:xfrm>
             <a:off x="609480" y="3682080"/>
-            <a:ext cx="10972440" cy="1896840"/>
+            <a:ext cx="10972080" cy="1896840"/>
           </a:xfrm>
           <a:prstGeom prst="rect">
             <a:avLst/>
@@ -148,10 +143,7 @@
             <a:normAutofit/>
           </a:bodyPr>
           <a:p>
-            <a:endParaRPr b="0" lang="pt-BR" sz="2800" spc="-1" strike="noStrike">
-              <a:solidFill>
-                <a:srgbClr val="000000"/>
-              </a:solidFill>
+            <a:endParaRPr b="0" lang="pt-BR" sz="3200" spc="-1" strike="noStrike">
               <a:latin typeface="Arial"/>
             </a:endParaRPr>
           </a:p>
@@ -192,7 +184,7 @@
         <p:spPr>
           <a:xfrm>
             <a:off x="1523880" y="1122480"/>
-            <a:ext cx="9143280" cy="2386800"/>
+            <a:ext cx="9142920" cy="2386440"/>
           </a:xfrm>
           <a:prstGeom prst="rect">
             <a:avLst/>
@@ -203,10 +195,8 @@
             <a:noAutofit/>
           </a:bodyPr>
           <a:p>
-            <a:endParaRPr b="0" lang="pt-BR" sz="1800" spc="-1" strike="noStrike">
-              <a:solidFill>
-                <a:srgbClr val="000000"/>
-              </a:solidFill>
+            <a:pPr algn="ctr"/>
+            <a:endParaRPr b="0" lang="pt-BR" sz="4400" spc="-1" strike="noStrike">
               <a:latin typeface="Arial"/>
             </a:endParaRPr>
           </a:p>
@@ -236,10 +226,7 @@
             <a:normAutofit/>
           </a:bodyPr>
           <a:p>
-            <a:endParaRPr b="0" lang="pt-BR" sz="2800" spc="-1" strike="noStrike">
-              <a:solidFill>
-                <a:srgbClr val="000000"/>
-              </a:solidFill>
+            <a:endParaRPr b="0" lang="pt-BR" sz="3200" spc="-1" strike="noStrike">
               <a:latin typeface="Arial"/>
             </a:endParaRPr>
           </a:p>
@@ -269,10 +256,7 @@
             <a:normAutofit/>
           </a:bodyPr>
           <a:p>
-            <a:endParaRPr b="0" lang="pt-BR" sz="2800" spc="-1" strike="noStrike">
-              <a:solidFill>
-                <a:srgbClr val="000000"/>
-              </a:solidFill>
+            <a:endParaRPr b="0" lang="pt-BR" sz="3200" spc="-1" strike="noStrike">
               <a:latin typeface="Arial"/>
             </a:endParaRPr>
           </a:p>
@@ -302,10 +286,7 @@
             <a:normAutofit/>
           </a:bodyPr>
           <a:p>
-            <a:endParaRPr b="0" lang="pt-BR" sz="2800" spc="-1" strike="noStrike">
-              <a:solidFill>
-                <a:srgbClr val="000000"/>
-              </a:solidFill>
+            <a:endParaRPr b="0" lang="pt-BR" sz="3200" spc="-1" strike="noStrike">
               <a:latin typeface="Arial"/>
             </a:endParaRPr>
           </a:p>
@@ -335,10 +316,7 @@
             <a:normAutofit/>
           </a:bodyPr>
           <a:p>
-            <a:endParaRPr b="0" lang="pt-BR" sz="2800" spc="-1" strike="noStrike">
-              <a:solidFill>
-                <a:srgbClr val="000000"/>
-              </a:solidFill>
+            <a:endParaRPr b="0" lang="pt-BR" sz="3200" spc="-1" strike="noStrike">
               <a:latin typeface="Arial"/>
             </a:endParaRPr>
           </a:p>
@@ -379,7 +357,7 @@
         <p:spPr>
           <a:xfrm>
             <a:off x="1523880" y="1122480"/>
-            <a:ext cx="9143280" cy="2386800"/>
+            <a:ext cx="9142920" cy="2386440"/>
           </a:xfrm>
           <a:prstGeom prst="rect">
             <a:avLst/>
@@ -390,10 +368,8 @@
             <a:noAutofit/>
           </a:bodyPr>
           <a:p>
-            <a:endParaRPr b="0" lang="pt-BR" sz="1800" spc="-1" strike="noStrike">
-              <a:solidFill>
-                <a:srgbClr val="000000"/>
-              </a:solidFill>
+            <a:pPr algn="ctr"/>
+            <a:endParaRPr b="0" lang="pt-BR" sz="4400" spc="-1" strike="noStrike">
               <a:latin typeface="Arial"/>
             </a:endParaRPr>
           </a:p>
@@ -412,7 +388,7 @@
         <p:spPr>
           <a:xfrm>
             <a:off x="609480" y="1604520"/>
-            <a:ext cx="3533040" cy="1896840"/>
+            <a:ext cx="3532680" cy="1896840"/>
           </a:xfrm>
           <a:prstGeom prst="rect">
             <a:avLst/>
@@ -423,10 +399,7 @@
             <a:normAutofit/>
           </a:bodyPr>
           <a:p>
-            <a:endParaRPr b="0" lang="pt-BR" sz="2800" spc="-1" strike="noStrike">
-              <a:solidFill>
-                <a:srgbClr val="000000"/>
-              </a:solidFill>
+            <a:endParaRPr b="0" lang="pt-BR" sz="3200" spc="-1" strike="noStrike">
               <a:latin typeface="Arial"/>
             </a:endParaRPr>
           </a:p>
@@ -444,8 +417,8 @@
         </p:nvSpPr>
         <p:spPr>
           <a:xfrm>
-            <a:off x="4319640" y="1604520"/>
-            <a:ext cx="3533040" cy="1896840"/>
+            <a:off x="4319280" y="1604520"/>
+            <a:ext cx="3532680" cy="1896840"/>
           </a:xfrm>
           <a:prstGeom prst="rect">
             <a:avLst/>
@@ -456,10 +429,7 @@
             <a:normAutofit/>
           </a:bodyPr>
           <a:p>
-            <a:endParaRPr b="0" lang="pt-BR" sz="2800" spc="-1" strike="noStrike">
-              <a:solidFill>
-                <a:srgbClr val="000000"/>
-              </a:solidFill>
+            <a:endParaRPr b="0" lang="pt-BR" sz="3200" spc="-1" strike="noStrike">
               <a:latin typeface="Arial"/>
             </a:endParaRPr>
           </a:p>
@@ -477,8 +447,8 @@
         </p:nvSpPr>
         <p:spPr>
           <a:xfrm>
-            <a:off x="8029800" y="1604520"/>
-            <a:ext cx="3533040" cy="1896840"/>
+            <a:off x="8028720" y="1604520"/>
+            <a:ext cx="3532680" cy="1896840"/>
           </a:xfrm>
           <a:prstGeom prst="rect">
             <a:avLst/>
@@ -489,10 +459,7 @@
             <a:normAutofit/>
           </a:bodyPr>
           <a:p>
-            <a:endParaRPr b="0" lang="pt-BR" sz="2800" spc="-1" strike="noStrike">
-              <a:solidFill>
-                <a:srgbClr val="000000"/>
-              </a:solidFill>
+            <a:endParaRPr b="0" lang="pt-BR" sz="3200" spc="-1" strike="noStrike">
               <a:latin typeface="Arial"/>
             </a:endParaRPr>
           </a:p>
@@ -511,7 +478,7 @@
         <p:spPr>
           <a:xfrm>
             <a:off x="609480" y="3682080"/>
-            <a:ext cx="3533040" cy="1896840"/>
+            <a:ext cx="3532680" cy="1896840"/>
           </a:xfrm>
           <a:prstGeom prst="rect">
             <a:avLst/>
@@ -522,10 +489,7 @@
             <a:normAutofit/>
           </a:bodyPr>
           <a:p>
-            <a:endParaRPr b="0" lang="pt-BR" sz="2800" spc="-1" strike="noStrike">
-              <a:solidFill>
-                <a:srgbClr val="000000"/>
-              </a:solidFill>
+            <a:endParaRPr b="0" lang="pt-BR" sz="3200" spc="-1" strike="noStrike">
               <a:latin typeface="Arial"/>
             </a:endParaRPr>
           </a:p>
@@ -543,8 +507,8 @@
         </p:nvSpPr>
         <p:spPr>
           <a:xfrm>
-            <a:off x="4319640" y="3682080"/>
-            <a:ext cx="3533040" cy="1896840"/>
+            <a:off x="4319280" y="3682080"/>
+            <a:ext cx="3532680" cy="1896840"/>
           </a:xfrm>
           <a:prstGeom prst="rect">
             <a:avLst/>
@@ -555,10 +519,7 @@
             <a:normAutofit/>
           </a:bodyPr>
           <a:p>
-            <a:endParaRPr b="0" lang="pt-BR" sz="2800" spc="-1" strike="noStrike">
-              <a:solidFill>
-                <a:srgbClr val="000000"/>
-              </a:solidFill>
+            <a:endParaRPr b="0" lang="pt-BR" sz="3200" spc="-1" strike="noStrike">
               <a:latin typeface="Arial"/>
             </a:endParaRPr>
           </a:p>
@@ -576,8 +537,8 @@
         </p:nvSpPr>
         <p:spPr>
           <a:xfrm>
-            <a:off x="8029800" y="3682080"/>
-            <a:ext cx="3533040" cy="1896840"/>
+            <a:off x="8028720" y="3682080"/>
+            <a:ext cx="3532680" cy="1896840"/>
           </a:xfrm>
           <a:prstGeom prst="rect">
             <a:avLst/>
@@ -588,10 +549,7 @@
             <a:normAutofit/>
           </a:bodyPr>
           <a:p>
-            <a:endParaRPr b="0" lang="pt-BR" sz="2800" spc="-1" strike="noStrike">
-              <a:solidFill>
-                <a:srgbClr val="000000"/>
-              </a:solidFill>
+            <a:endParaRPr b="0" lang="pt-BR" sz="3200" spc="-1" strike="noStrike">
               <a:latin typeface="Arial"/>
             </a:endParaRPr>
           </a:p>
@@ -632,7 +590,7 @@
         <p:spPr>
           <a:xfrm>
             <a:off x="1523880" y="1122480"/>
-            <a:ext cx="9143280" cy="2386800"/>
+            <a:ext cx="9142920" cy="2386440"/>
           </a:xfrm>
           <a:prstGeom prst="rect">
             <a:avLst/>
@@ -643,10 +601,8 @@
             <a:noAutofit/>
           </a:bodyPr>
           <a:p>
-            <a:endParaRPr b="0" lang="pt-BR" sz="1800" spc="-1" strike="noStrike">
-              <a:solidFill>
-                <a:srgbClr val="000000"/>
-              </a:solidFill>
+            <a:pPr algn="ctr"/>
+            <a:endParaRPr b="0" lang="pt-BR" sz="4400" spc="-1" strike="noStrike">
               <a:latin typeface="Arial"/>
             </a:endParaRPr>
           </a:p>
@@ -665,7 +621,7 @@
         <p:spPr>
           <a:xfrm>
             <a:off x="609480" y="1604520"/>
-            <a:ext cx="10972440" cy="3977280"/>
+            <a:ext cx="10972080" cy="3976920"/>
           </a:xfrm>
           <a:prstGeom prst="rect">
             <a:avLst/>
@@ -718,7 +674,7 @@
         <p:spPr>
           <a:xfrm>
             <a:off x="1523880" y="1122480"/>
-            <a:ext cx="9143280" cy="2386800"/>
+            <a:ext cx="9142920" cy="2386440"/>
           </a:xfrm>
           <a:prstGeom prst="rect">
             <a:avLst/>
@@ -729,10 +685,8 @@
             <a:noAutofit/>
           </a:bodyPr>
           <a:p>
-            <a:endParaRPr b="0" lang="pt-BR" sz="1800" spc="-1" strike="noStrike">
-              <a:solidFill>
-                <a:srgbClr val="000000"/>
-              </a:solidFill>
+            <a:pPr algn="ctr"/>
+            <a:endParaRPr b="0" lang="pt-BR" sz="4400" spc="-1" strike="noStrike">
               <a:latin typeface="Arial"/>
             </a:endParaRPr>
           </a:p>
@@ -751,7 +705,7 @@
         <p:spPr>
           <a:xfrm>
             <a:off x="609480" y="1604520"/>
-            <a:ext cx="10972440" cy="3977280"/>
+            <a:ext cx="10972080" cy="3976920"/>
           </a:xfrm>
           <a:prstGeom prst="rect">
             <a:avLst/>
@@ -762,10 +716,7 @@
             <a:normAutofit/>
           </a:bodyPr>
           <a:p>
-            <a:endParaRPr b="0" lang="pt-BR" sz="2800" spc="-1" strike="noStrike">
-              <a:solidFill>
-                <a:srgbClr val="000000"/>
-              </a:solidFill>
+            <a:endParaRPr b="0" lang="pt-BR" sz="3200" spc="-1" strike="noStrike">
               <a:latin typeface="Arial"/>
             </a:endParaRPr>
           </a:p>
@@ -806,7 +757,7 @@
         <p:spPr>
           <a:xfrm>
             <a:off x="1523880" y="1122480"/>
-            <a:ext cx="9143280" cy="2386800"/>
+            <a:ext cx="9142920" cy="2386440"/>
           </a:xfrm>
           <a:prstGeom prst="rect">
             <a:avLst/>
@@ -817,10 +768,8 @@
             <a:noAutofit/>
           </a:bodyPr>
           <a:p>
-            <a:endParaRPr b="0" lang="pt-BR" sz="1800" spc="-1" strike="noStrike">
-              <a:solidFill>
-                <a:srgbClr val="000000"/>
-              </a:solidFill>
+            <a:pPr algn="ctr"/>
+            <a:endParaRPr b="0" lang="pt-BR" sz="4400" spc="-1" strike="noStrike">
               <a:latin typeface="Arial"/>
             </a:endParaRPr>
           </a:p>
@@ -839,7 +788,7 @@
         <p:spPr>
           <a:xfrm>
             <a:off x="609480" y="1604520"/>
-            <a:ext cx="5354280" cy="3977280"/>
+            <a:ext cx="5354280" cy="3976920"/>
           </a:xfrm>
           <a:prstGeom prst="rect">
             <a:avLst/>
@@ -850,10 +799,7 @@
             <a:normAutofit/>
           </a:bodyPr>
           <a:p>
-            <a:endParaRPr b="0" lang="pt-BR" sz="2800" spc="-1" strike="noStrike">
-              <a:solidFill>
-                <a:srgbClr val="000000"/>
-              </a:solidFill>
+            <a:endParaRPr b="0" lang="pt-BR" sz="3200" spc="-1" strike="noStrike">
               <a:latin typeface="Arial"/>
             </a:endParaRPr>
           </a:p>
@@ -872,7 +818,7 @@
         <p:spPr>
           <a:xfrm>
             <a:off x="6231960" y="1604520"/>
-            <a:ext cx="5354280" cy="3977280"/>
+            <a:ext cx="5354280" cy="3976920"/>
           </a:xfrm>
           <a:prstGeom prst="rect">
             <a:avLst/>
@@ -883,10 +829,7 @@
             <a:normAutofit/>
           </a:bodyPr>
           <a:p>
-            <a:endParaRPr b="0" lang="pt-BR" sz="2800" spc="-1" strike="noStrike">
-              <a:solidFill>
-                <a:srgbClr val="000000"/>
-              </a:solidFill>
+            <a:endParaRPr b="0" lang="pt-BR" sz="3200" spc="-1" strike="noStrike">
               <a:latin typeface="Arial"/>
             </a:endParaRPr>
           </a:p>
@@ -927,7 +870,7 @@
         <p:spPr>
           <a:xfrm>
             <a:off x="1523880" y="1122480"/>
-            <a:ext cx="9143280" cy="2386800"/>
+            <a:ext cx="9142920" cy="2386440"/>
           </a:xfrm>
           <a:prstGeom prst="rect">
             <a:avLst/>
@@ -938,10 +881,8 @@
             <a:noAutofit/>
           </a:bodyPr>
           <a:p>
-            <a:endParaRPr b="0" lang="pt-BR" sz="1800" spc="-1" strike="noStrike">
-              <a:solidFill>
-                <a:srgbClr val="000000"/>
-              </a:solidFill>
+            <a:pPr algn="ctr"/>
+            <a:endParaRPr b="0" lang="pt-BR" sz="4400" spc="-1" strike="noStrike">
               <a:latin typeface="Arial"/>
             </a:endParaRPr>
           </a:p>
@@ -982,7 +923,7 @@
         <p:spPr>
           <a:xfrm>
             <a:off x="1523880" y="1122480"/>
-            <a:ext cx="9143280" cy="11064960"/>
+            <a:ext cx="9142920" cy="11063520"/>
           </a:xfrm>
           <a:prstGeom prst="rect">
             <a:avLst/>
@@ -1035,7 +976,7 @@
         <p:spPr>
           <a:xfrm>
             <a:off x="1523880" y="1122480"/>
-            <a:ext cx="9143280" cy="2386800"/>
+            <a:ext cx="9142920" cy="2386440"/>
           </a:xfrm>
           <a:prstGeom prst="rect">
             <a:avLst/>
@@ -1046,10 +987,8 @@
             <a:noAutofit/>
           </a:bodyPr>
           <a:p>
-            <a:endParaRPr b="0" lang="pt-BR" sz="1800" spc="-1" strike="noStrike">
-              <a:solidFill>
-                <a:srgbClr val="000000"/>
-              </a:solidFill>
+            <a:pPr algn="ctr"/>
+            <a:endParaRPr b="0" lang="pt-BR" sz="4400" spc="-1" strike="noStrike">
               <a:latin typeface="Arial"/>
             </a:endParaRPr>
           </a:p>
@@ -1079,10 +1018,7 @@
             <a:normAutofit/>
           </a:bodyPr>
           <a:p>
-            <a:endParaRPr b="0" lang="pt-BR" sz="2800" spc="-1" strike="noStrike">
-              <a:solidFill>
-                <a:srgbClr val="000000"/>
-              </a:solidFill>
+            <a:endParaRPr b="0" lang="pt-BR" sz="3200" spc="-1" strike="noStrike">
               <a:latin typeface="Arial"/>
             </a:endParaRPr>
           </a:p>
@@ -1101,7 +1037,7 @@
         <p:spPr>
           <a:xfrm>
             <a:off x="6231960" y="1604520"/>
-            <a:ext cx="5354280" cy="3977280"/>
+            <a:ext cx="5354280" cy="3976920"/>
           </a:xfrm>
           <a:prstGeom prst="rect">
             <a:avLst/>
@@ -1112,10 +1048,7 @@
             <a:normAutofit/>
           </a:bodyPr>
           <a:p>
-            <a:endParaRPr b="0" lang="pt-BR" sz="2800" spc="-1" strike="noStrike">
-              <a:solidFill>
-                <a:srgbClr val="000000"/>
-              </a:solidFill>
+            <a:endParaRPr b="0" lang="pt-BR" sz="3200" spc="-1" strike="noStrike">
               <a:latin typeface="Arial"/>
             </a:endParaRPr>
           </a:p>
@@ -1145,10 +1078,7 @@
             <a:normAutofit/>
           </a:bodyPr>
           <a:p>
-            <a:endParaRPr b="0" lang="pt-BR" sz="2800" spc="-1" strike="noStrike">
-              <a:solidFill>
-                <a:srgbClr val="000000"/>
-              </a:solidFill>
+            <a:endParaRPr b="0" lang="pt-BR" sz="3200" spc="-1" strike="noStrike">
               <a:latin typeface="Arial"/>
             </a:endParaRPr>
           </a:p>
@@ -1189,7 +1119,7 @@
         <p:spPr>
           <a:xfrm>
             <a:off x="1523880" y="1122480"/>
-            <a:ext cx="9143280" cy="2386800"/>
+            <a:ext cx="9142920" cy="2386440"/>
           </a:xfrm>
           <a:prstGeom prst="rect">
             <a:avLst/>
@@ -1200,10 +1130,8 @@
             <a:noAutofit/>
           </a:bodyPr>
           <a:p>
-            <a:endParaRPr b="0" lang="pt-BR" sz="1800" spc="-1" strike="noStrike">
-              <a:solidFill>
-                <a:srgbClr val="000000"/>
-              </a:solidFill>
+            <a:pPr algn="ctr"/>
+            <a:endParaRPr b="0" lang="pt-BR" sz="4400" spc="-1" strike="noStrike">
               <a:latin typeface="Arial"/>
             </a:endParaRPr>
           </a:p>
@@ -1222,7 +1150,7 @@
         <p:spPr>
           <a:xfrm>
             <a:off x="609480" y="1604520"/>
-            <a:ext cx="5354280" cy="3977280"/>
+            <a:ext cx="5354280" cy="3976920"/>
           </a:xfrm>
           <a:prstGeom prst="rect">
             <a:avLst/>
@@ -1233,10 +1161,7 @@
             <a:normAutofit/>
           </a:bodyPr>
           <a:p>
-            <a:endParaRPr b="0" lang="pt-BR" sz="2800" spc="-1" strike="noStrike">
-              <a:solidFill>
-                <a:srgbClr val="000000"/>
-              </a:solidFill>
+            <a:endParaRPr b="0" lang="pt-BR" sz="3200" spc="-1" strike="noStrike">
               <a:latin typeface="Arial"/>
             </a:endParaRPr>
           </a:p>
@@ -1266,10 +1191,7 @@
             <a:normAutofit/>
           </a:bodyPr>
           <a:p>
-            <a:endParaRPr b="0" lang="pt-BR" sz="2800" spc="-1" strike="noStrike">
-              <a:solidFill>
-                <a:srgbClr val="000000"/>
-              </a:solidFill>
+            <a:endParaRPr b="0" lang="pt-BR" sz="3200" spc="-1" strike="noStrike">
               <a:latin typeface="Arial"/>
             </a:endParaRPr>
           </a:p>
@@ -1299,10 +1221,7 @@
             <a:normAutofit/>
           </a:bodyPr>
           <a:p>
-            <a:endParaRPr b="0" lang="pt-BR" sz="2800" spc="-1" strike="noStrike">
-              <a:solidFill>
-                <a:srgbClr val="000000"/>
-              </a:solidFill>
+            <a:endParaRPr b="0" lang="pt-BR" sz="3200" spc="-1" strike="noStrike">
               <a:latin typeface="Arial"/>
             </a:endParaRPr>
           </a:p>
@@ -1343,7 +1262,7 @@
         <p:spPr>
           <a:xfrm>
             <a:off x="1523880" y="1122480"/>
-            <a:ext cx="9143280" cy="2386800"/>
+            <a:ext cx="9142920" cy="2386440"/>
           </a:xfrm>
           <a:prstGeom prst="rect">
             <a:avLst/>
@@ -1354,10 +1273,8 @@
             <a:noAutofit/>
           </a:bodyPr>
           <a:p>
-            <a:endParaRPr b="0" lang="pt-BR" sz="1800" spc="-1" strike="noStrike">
-              <a:solidFill>
-                <a:srgbClr val="000000"/>
-              </a:solidFill>
+            <a:pPr algn="ctr"/>
+            <a:endParaRPr b="0" lang="pt-BR" sz="4400" spc="-1" strike="noStrike">
               <a:latin typeface="Arial"/>
             </a:endParaRPr>
           </a:p>
@@ -1387,10 +1304,7 @@
             <a:normAutofit/>
           </a:bodyPr>
           <a:p>
-            <a:endParaRPr b="0" lang="pt-BR" sz="2800" spc="-1" strike="noStrike">
-              <a:solidFill>
-                <a:srgbClr val="000000"/>
-              </a:solidFill>
+            <a:endParaRPr b="0" lang="pt-BR" sz="3200" spc="-1" strike="noStrike">
               <a:latin typeface="Arial"/>
             </a:endParaRPr>
           </a:p>
@@ -1420,10 +1334,7 @@
             <a:normAutofit/>
           </a:bodyPr>
           <a:p>
-            <a:endParaRPr b="0" lang="pt-BR" sz="2800" spc="-1" strike="noStrike">
-              <a:solidFill>
-                <a:srgbClr val="000000"/>
-              </a:solidFill>
+            <a:endParaRPr b="0" lang="pt-BR" sz="3200" spc="-1" strike="noStrike">
               <a:latin typeface="Arial"/>
             </a:endParaRPr>
           </a:p>
@@ -1442,7 +1353,7 @@
         <p:spPr>
           <a:xfrm>
             <a:off x="609480" y="3682080"/>
-            <a:ext cx="10972440" cy="1896840"/>
+            <a:ext cx="10972080" cy="1896840"/>
           </a:xfrm>
           <a:prstGeom prst="rect">
             <a:avLst/>
@@ -1453,10 +1364,7 @@
             <a:normAutofit/>
           </a:bodyPr>
           <a:p>
-            <a:endParaRPr b="0" lang="pt-BR" sz="2800" spc="-1" strike="noStrike">
-              <a:solidFill>
-                <a:srgbClr val="000000"/>
-              </a:solidFill>
+            <a:endParaRPr b="0" lang="pt-BR" sz="3200" spc="-1" strike="noStrike">
               <a:latin typeface="Arial"/>
             </a:endParaRPr>
           </a:p>
@@ -1504,7 +1412,7 @@
         <p:spPr>
           <a:xfrm>
             <a:off x="1523880" y="1122480"/>
-            <a:ext cx="9143280" cy="2386800"/>
+            <a:ext cx="9142920" cy="2386440"/>
           </a:xfrm>
           <a:prstGeom prst="rect">
             <a:avLst/>
@@ -1517,18 +1425,12 @@
           <a:p>
             <a:pPr algn="ctr"/>
             <a:r>
-              <a:rPr b="0" lang="pt-BR" sz="4400" spc="-1" strike="noStrike">
-                <a:solidFill>
-                  <a:srgbClr val="000000"/>
-                </a:solidFill>
+              <a:rPr b="0" lang="pt-BR" sz="1800" spc="-1" strike="noStrike">
                 <a:latin typeface="Arial"/>
               </a:rPr>
               <a:t>Click to edit the title text format</a:t>
             </a:r>
-            <a:endParaRPr b="0" lang="pt-BR" sz="4400" spc="-1" strike="noStrike">
-              <a:solidFill>
-                <a:srgbClr val="000000"/>
-              </a:solidFill>
+            <a:endParaRPr b="0" lang="pt-BR" sz="1800" spc="-1" strike="noStrike">
               <a:latin typeface="Arial"/>
             </a:endParaRPr>
           </a:p>
@@ -1547,7 +1449,7 @@
         <p:spPr>
           <a:xfrm>
             <a:off x="609480" y="1604520"/>
-            <a:ext cx="10972440" cy="3977280"/>
+            <a:ext cx="10972080" cy="3976920"/>
           </a:xfrm>
           <a:prstGeom prst="rect">
             <a:avLst/>
@@ -1558,7 +1460,7 @@
             <a:normAutofit/>
           </a:bodyPr>
           <a:p>
-            <a:pPr marL="432000" indent="-324000">
+            <a:pPr marL="432000" indent="-324000" algn="ctr">
               <a:spcBef>
                 <a:spcPts val="1417"/>
               </a:spcBef>
@@ -1570,23 +1472,17 @@
               <a:buChar char=""/>
             </a:pPr>
             <a:r>
-              <a:rPr b="0" lang="pt-BR" sz="2800" spc="-1" strike="noStrike">
-                <a:solidFill>
-                  <a:srgbClr val="000000"/>
-                </a:solidFill>
+              <a:rPr b="0" lang="pt-BR" sz="1800" spc="-1" strike="noStrike">
                 <a:latin typeface="Arial"/>
               </a:rPr>
               <a:t>Click to edit the outline text format</a:t>
             </a:r>
-            <a:endParaRPr b="0" lang="pt-BR" sz="2800" spc="-1" strike="noStrike">
-              <a:solidFill>
-                <a:srgbClr val="000000"/>
-              </a:solidFill>
-              <a:latin typeface="Arial"/>
-            </a:endParaRPr>
-          </a:p>
-          <a:p>
-            <a:pPr lvl="1" marL="864000" indent="-324000">
+            <a:endParaRPr b="0" lang="pt-BR" sz="1800" spc="-1" strike="noStrike">
+              <a:latin typeface="Arial"/>
+            </a:endParaRPr>
+          </a:p>
+          <a:p>
+            <a:pPr lvl="1" marL="864000" indent="-324000" algn="ctr">
               <a:spcBef>
                 <a:spcPts val="1134"/>
               </a:spcBef>
@@ -1598,23 +1494,17 @@
               <a:buChar char=""/>
             </a:pPr>
             <a:r>
-              <a:rPr b="0" lang="pt-BR" sz="2000" spc="-1" strike="noStrike">
-                <a:solidFill>
-                  <a:srgbClr val="000000"/>
-                </a:solidFill>
+              <a:rPr b="0" lang="pt-BR" sz="1800" spc="-1" strike="noStrike">
                 <a:latin typeface="Arial"/>
               </a:rPr>
               <a:t>Second Outline Level</a:t>
             </a:r>
-            <a:endParaRPr b="0" lang="pt-BR" sz="2000" spc="-1" strike="noStrike">
-              <a:solidFill>
-                <a:srgbClr val="000000"/>
-              </a:solidFill>
-              <a:latin typeface="Arial"/>
-            </a:endParaRPr>
-          </a:p>
-          <a:p>
-            <a:pPr lvl="2" marL="1296000" indent="-288000">
+            <a:endParaRPr b="0" lang="pt-BR" sz="1800" spc="-1" strike="noStrike">
+              <a:latin typeface="Arial"/>
+            </a:endParaRPr>
+          </a:p>
+          <a:p>
+            <a:pPr lvl="2" marL="1296000" indent="-288000" algn="ctr">
               <a:spcBef>
                 <a:spcPts val="850"/>
               </a:spcBef>
@@ -1627,22 +1517,16 @@
             </a:pPr>
             <a:r>
               <a:rPr b="0" lang="pt-BR" sz="1800" spc="-1" strike="noStrike">
-                <a:solidFill>
-                  <a:srgbClr val="000000"/>
-                </a:solidFill>
                 <a:latin typeface="Arial"/>
               </a:rPr>
               <a:t>Third Outline Level</a:t>
             </a:r>
             <a:endParaRPr b="0" lang="pt-BR" sz="1800" spc="-1" strike="noStrike">
-              <a:solidFill>
-                <a:srgbClr val="000000"/>
-              </a:solidFill>
-              <a:latin typeface="Arial"/>
-            </a:endParaRPr>
-          </a:p>
-          <a:p>
-            <a:pPr lvl="3" marL="1728000" indent="-216000">
+              <a:latin typeface="Arial"/>
+            </a:endParaRPr>
+          </a:p>
+          <a:p>
+            <a:pPr lvl="3" marL="1728000" indent="-216000" algn="ctr">
               <a:spcBef>
                 <a:spcPts val="567"/>
               </a:spcBef>
@@ -1655,22 +1539,16 @@
             </a:pPr>
             <a:r>
               <a:rPr b="0" lang="pt-BR" sz="1800" spc="-1" strike="noStrike">
-                <a:solidFill>
-                  <a:srgbClr val="000000"/>
-                </a:solidFill>
                 <a:latin typeface="Arial"/>
               </a:rPr>
               <a:t>Fourth Outline Level</a:t>
             </a:r>
             <a:endParaRPr b="0" lang="pt-BR" sz="1800" spc="-1" strike="noStrike">
-              <a:solidFill>
-                <a:srgbClr val="000000"/>
-              </a:solidFill>
-              <a:latin typeface="Arial"/>
-            </a:endParaRPr>
-          </a:p>
-          <a:p>
-            <a:pPr lvl="4" marL="2160000" indent="-216000">
+              <a:latin typeface="Arial"/>
+            </a:endParaRPr>
+          </a:p>
+          <a:p>
+            <a:pPr lvl="4" marL="2160000" indent="-216000" algn="ctr">
               <a:spcBef>
                 <a:spcPts val="283"/>
               </a:spcBef>
@@ -1682,23 +1560,17 @@
               <a:buChar char=""/>
             </a:pPr>
             <a:r>
-              <a:rPr b="0" lang="pt-BR" sz="2000" spc="-1" strike="noStrike">
-                <a:solidFill>
-                  <a:srgbClr val="000000"/>
-                </a:solidFill>
+              <a:rPr b="0" lang="pt-BR" sz="1800" spc="-1" strike="noStrike">
                 <a:latin typeface="Arial"/>
               </a:rPr>
               <a:t>Fifth Outline Level</a:t>
             </a:r>
-            <a:endParaRPr b="0" lang="pt-BR" sz="2000" spc="-1" strike="noStrike">
-              <a:solidFill>
-                <a:srgbClr val="000000"/>
-              </a:solidFill>
-              <a:latin typeface="Arial"/>
-            </a:endParaRPr>
-          </a:p>
-          <a:p>
-            <a:pPr lvl="5" marL="2592000" indent="-216000">
+            <a:endParaRPr b="0" lang="pt-BR" sz="1800" spc="-1" strike="noStrike">
+              <a:latin typeface="Arial"/>
+            </a:endParaRPr>
+          </a:p>
+          <a:p>
+            <a:pPr lvl="5" marL="2592000" indent="-216000" algn="ctr">
               <a:spcBef>
                 <a:spcPts val="283"/>
               </a:spcBef>
@@ -1710,23 +1582,17 @@
               <a:buChar char=""/>
             </a:pPr>
             <a:r>
-              <a:rPr b="0" lang="pt-BR" sz="2000" spc="-1" strike="noStrike">
-                <a:solidFill>
-                  <a:srgbClr val="000000"/>
-                </a:solidFill>
+              <a:rPr b="0" lang="pt-BR" sz="1800" spc="-1" strike="noStrike">
                 <a:latin typeface="Arial"/>
               </a:rPr>
               <a:t>Sixth Outline Level</a:t>
             </a:r>
-            <a:endParaRPr b="0" lang="pt-BR" sz="2000" spc="-1" strike="noStrike">
-              <a:solidFill>
-                <a:srgbClr val="000000"/>
-              </a:solidFill>
-              <a:latin typeface="Arial"/>
-            </a:endParaRPr>
-          </a:p>
-          <a:p>
-            <a:pPr lvl="6" marL="3024000" indent="-216000">
+            <a:endParaRPr b="0" lang="pt-BR" sz="1800" spc="-1" strike="noStrike">
+              <a:latin typeface="Arial"/>
+            </a:endParaRPr>
+          </a:p>
+          <a:p>
+            <a:pPr lvl="6" marL="3024000" indent="-216000" algn="ctr">
               <a:spcBef>
                 <a:spcPts val="283"/>
               </a:spcBef>
@@ -1738,18 +1604,12 @@
               <a:buChar char=""/>
             </a:pPr>
             <a:r>
-              <a:rPr b="0" lang="pt-BR" sz="2000" spc="-1" strike="noStrike">
-                <a:solidFill>
-                  <a:srgbClr val="000000"/>
-                </a:solidFill>
+              <a:rPr b="0" lang="pt-BR" sz="1800" spc="-1" strike="noStrike">
                 <a:latin typeface="Arial"/>
               </a:rPr>
               <a:t>Seventh Outline Level</a:t>
             </a:r>
-            <a:endParaRPr b="0" lang="pt-BR" sz="2000" spc="-1" strike="noStrike">
-              <a:solidFill>
-                <a:srgbClr val="000000"/>
-              </a:solidFill>
+            <a:endParaRPr b="0" lang="pt-BR" sz="1800" spc="-1" strike="noStrike">
               <a:latin typeface="Arial"/>
             </a:endParaRPr>
           </a:p>
@@ -1801,7 +1661,7 @@
         <p:spPr>
           <a:xfrm>
             <a:off x="0" y="1677600"/>
-            <a:ext cx="12166200" cy="5179680"/>
+            <a:ext cx="12165840" cy="5179320"/>
           </a:xfrm>
           <a:prstGeom prst="rect">
             <a:avLst/>
@@ -1837,7 +1697,7 @@
         <p:spPr>
           <a:xfrm>
             <a:off x="24840" y="5154120"/>
-            <a:ext cx="12166200" cy="1235160"/>
+            <a:ext cx="12165840" cy="1235160"/>
           </a:xfrm>
           <a:prstGeom prst="rect">
             <a:avLst/>
@@ -1933,7 +1793,7 @@
         <p:spPr>
           <a:xfrm>
             <a:off x="0" y="3429000"/>
-            <a:ext cx="12166200" cy="1724400"/>
+            <a:ext cx="12165840" cy="1724040"/>
           </a:xfrm>
           <a:prstGeom prst="rect">
             <a:avLst/>
@@ -1988,7 +1848,7 @@
         <p:spPr>
           <a:xfrm>
             <a:off x="2303640" y="0"/>
-            <a:ext cx="7608600" cy="3334680"/>
+            <a:ext cx="7608240" cy="3334320"/>
           </a:xfrm>
           <a:prstGeom prst="rect">
             <a:avLst/>
@@ -2037,7 +1897,7 @@
         <p:spPr>
           <a:xfrm>
             <a:off x="0" y="6318000"/>
-            <a:ext cx="12191400" cy="539280"/>
+            <a:ext cx="12191040" cy="538920"/>
           </a:xfrm>
           <a:prstGeom prst="rect">
             <a:avLst/>
@@ -2073,7 +1933,7 @@
         <p:spPr>
           <a:xfrm>
             <a:off x="122760" y="6318000"/>
-            <a:ext cx="9939240" cy="539280"/>
+            <a:ext cx="9938880" cy="538920"/>
           </a:xfrm>
           <a:prstGeom prst="rect">
             <a:avLst/>
@@ -2124,7 +1984,7 @@
         <p:spPr>
           <a:xfrm>
             <a:off x="341280" y="331560"/>
-            <a:ext cx="11463480" cy="5988240"/>
+            <a:ext cx="11463120" cy="5987880"/>
           </a:xfrm>
           <a:prstGeom prst="rect">
             <a:avLst/>
@@ -2463,7 +2323,7 @@
         <p:spPr>
           <a:xfrm>
             <a:off x="9761400" y="5808600"/>
-            <a:ext cx="2402640" cy="1052640"/>
+            <a:ext cx="2402280" cy="1052280"/>
           </a:xfrm>
           <a:prstGeom prst="rect">
             <a:avLst/>
@@ -2512,7 +2372,7 @@
         <p:spPr>
           <a:xfrm>
             <a:off x="0" y="6318000"/>
-            <a:ext cx="12191400" cy="539280"/>
+            <a:ext cx="12191040" cy="538920"/>
           </a:xfrm>
           <a:prstGeom prst="rect">
             <a:avLst/>
@@ -2548,7 +2408,7 @@
         <p:spPr>
           <a:xfrm>
             <a:off x="122760" y="6318000"/>
-            <a:ext cx="9939240" cy="539280"/>
+            <a:ext cx="9938880" cy="538920"/>
           </a:xfrm>
           <a:prstGeom prst="rect">
             <a:avLst/>
@@ -2599,7 +2459,7 @@
         <p:spPr>
           <a:xfrm>
             <a:off x="341280" y="486360"/>
-            <a:ext cx="11463480" cy="3107520"/>
+            <a:ext cx="11463120" cy="3107160"/>
           </a:xfrm>
           <a:prstGeom prst="rect">
             <a:avLst/>
@@ -2706,7 +2566,7 @@
         <p:spPr>
           <a:xfrm>
             <a:off x="9761400" y="5808600"/>
-            <a:ext cx="2402640" cy="1052640"/>
+            <a:ext cx="2402280" cy="1052280"/>
           </a:xfrm>
           <a:prstGeom prst="rect">
             <a:avLst/>
@@ -2729,7 +2589,7 @@
         <p:spPr>
           <a:xfrm>
             <a:off x="720000" y="2842920"/>
-            <a:ext cx="3239640" cy="3456720"/>
+            <a:ext cx="3239280" cy="3456360"/>
           </a:xfrm>
           <a:prstGeom prst="rect">
             <a:avLst/>
@@ -2748,7 +2608,7 @@
         <p:spPr>
           <a:xfrm>
             <a:off x="4140000" y="2880000"/>
-            <a:ext cx="7739640" cy="3160080"/>
+            <a:ext cx="7739280" cy="3159720"/>
           </a:xfrm>
           <a:prstGeom prst="rect">
             <a:avLst/>
@@ -2855,7 +2715,7 @@
         <p:spPr>
           <a:xfrm>
             <a:off x="0" y="6318000"/>
-            <a:ext cx="12191400" cy="539280"/>
+            <a:ext cx="12191040" cy="538920"/>
           </a:xfrm>
           <a:prstGeom prst="rect">
             <a:avLst/>
@@ -2891,7 +2751,7 @@
         <p:spPr>
           <a:xfrm>
             <a:off x="122760" y="6318000"/>
-            <a:ext cx="9939240" cy="539280"/>
+            <a:ext cx="9938880" cy="538920"/>
           </a:xfrm>
           <a:prstGeom prst="rect">
             <a:avLst/>
@@ -2942,7 +2802,7 @@
         <p:spPr>
           <a:xfrm>
             <a:off x="341280" y="486360"/>
-            <a:ext cx="11463480" cy="5576760"/>
+            <a:ext cx="11463120" cy="5576400"/>
           </a:xfrm>
           <a:prstGeom prst="rect">
             <a:avLst/>
@@ -3196,7 +3056,7 @@
         <p:spPr>
           <a:xfrm>
             <a:off x="9761400" y="5808600"/>
-            <a:ext cx="2402640" cy="1052640"/>
+            <a:ext cx="2402280" cy="1052280"/>
           </a:xfrm>
           <a:prstGeom prst="rect">
             <a:avLst/>
@@ -3245,7 +3105,7 @@
         <p:spPr>
           <a:xfrm>
             <a:off x="0" y="6318000"/>
-            <a:ext cx="12191400" cy="539280"/>
+            <a:ext cx="12191040" cy="538920"/>
           </a:xfrm>
           <a:prstGeom prst="rect">
             <a:avLst/>
@@ -3281,7 +3141,7 @@
         <p:spPr>
           <a:xfrm>
             <a:off x="122760" y="6318000"/>
-            <a:ext cx="9939240" cy="539280"/>
+            <a:ext cx="9938880" cy="538920"/>
           </a:xfrm>
           <a:prstGeom prst="rect">
             <a:avLst/>
@@ -3332,7 +3192,7 @@
         <p:spPr>
           <a:xfrm>
             <a:off x="341280" y="486360"/>
-            <a:ext cx="11463480" cy="3792960"/>
+            <a:ext cx="11463120" cy="4615920"/>
           </a:xfrm>
           <a:prstGeom prst="rect">
             <a:avLst/>
@@ -3402,7 +3262,7 @@
                 <a:latin typeface="Arial"/>
                 <a:ea typeface="DejaVu Sans"/>
               </a:rPr>
-              <a:t>Dessa forma foi possível verificar a importância de algo que chamamos de shift de dados.</a:t>
+              <a:t>Dessa forma foi possível verificar a importância de algo que chamamos de shift de dados:</a:t>
             </a:r>
             <a:endParaRPr b="0" lang="pt-BR" sz="1800" spc="-1" strike="noStrike">
               <a:latin typeface="Arial"/>
@@ -3427,6 +3287,156 @@
               </a:rPr>
               <a:t>Se por algum acaso troca-se por mais de 1 bit a posição dos dados, temos resultados totalmente diferentes, como pode ver:</a:t>
             </a:r>
+            <a:r>
+              <a:rPr b="0" lang="pt-BR" sz="1800" spc="-1" strike="noStrike">
+                <a:solidFill>
+                  <a:srgbClr val="000000"/>
+                </a:solidFill>
+                <a:latin typeface="Arial"/>
+                <a:ea typeface="DejaVu Sans"/>
+              </a:rPr>
+              <a:t>	</a:t>
+            </a:r>
+            <a:r>
+              <a:rPr b="0" lang="pt-BR" sz="1800" spc="-1" strike="noStrike">
+                <a:solidFill>
+                  <a:srgbClr val="000000"/>
+                </a:solidFill>
+                <a:latin typeface="Arial"/>
+                <a:ea typeface="DejaVu Sans"/>
+              </a:rPr>
+              <a:t>	</a:t>
+            </a:r>
+            <a:r>
+              <a:rPr b="0" lang="pt-BR" sz="1800" spc="-1" strike="noStrike">
+                <a:solidFill>
+                  <a:srgbClr val="000000"/>
+                </a:solidFill>
+                <a:latin typeface="Arial"/>
+                <a:ea typeface="DejaVu Sans"/>
+              </a:rPr>
+              <a:t>	</a:t>
+            </a:r>
+            <a:r>
+              <a:rPr b="0" lang="pt-BR" sz="1800" spc="-1" strike="noStrike">
+                <a:solidFill>
+                  <a:srgbClr val="000000"/>
+                </a:solidFill>
+                <a:latin typeface="Arial"/>
+                <a:ea typeface="DejaVu Sans"/>
+              </a:rPr>
+              <a:t>	</a:t>
+            </a:r>
+            <a:r>
+              <a:rPr b="0" lang="pt-BR" sz="1800" spc="-1" strike="noStrike">
+                <a:solidFill>
+                  <a:srgbClr val="000000"/>
+                </a:solidFill>
+                <a:latin typeface="Arial"/>
+                <a:ea typeface="DejaVu Sans"/>
+              </a:rPr>
+              <a:t>	</a:t>
+            </a:r>
+            <a:r>
+              <a:rPr b="0" lang="pt-BR" sz="1800" spc="-1" strike="noStrike">
+                <a:solidFill>
+                  <a:srgbClr val="000000"/>
+                </a:solidFill>
+                <a:latin typeface="Arial"/>
+                <a:ea typeface="DejaVu Sans"/>
+              </a:rPr>
+              <a:t>1</a:t>
+            </a:r>
+            <a:r>
+              <a:rPr b="0" lang="pt-BR" sz="1800" spc="-1" strike="noStrike">
+                <a:solidFill>
+                  <a:srgbClr val="000000"/>
+                </a:solidFill>
+                <a:latin typeface="Arial"/>
+                <a:ea typeface="DejaVu Sans"/>
+              </a:rPr>
+              <a:t>	</a:t>
+            </a:r>
+            <a:r>
+              <a:rPr b="0" lang="pt-BR" sz="1800" spc="-1" strike="noStrike">
+                <a:solidFill>
+                  <a:srgbClr val="000000"/>
+                </a:solidFill>
+                <a:latin typeface="Arial"/>
+                <a:ea typeface="DejaVu Sans"/>
+              </a:rPr>
+              <a:t>	</a:t>
+            </a:r>
+            <a:r>
+              <a:rPr b="0" lang="pt-BR" sz="1800" spc="-1" strike="noStrike">
+                <a:solidFill>
+                  <a:srgbClr val="000000"/>
+                </a:solidFill>
+                <a:latin typeface="Arial"/>
+                <a:ea typeface="DejaVu Sans"/>
+              </a:rPr>
+              <a:t>	</a:t>
+            </a:r>
+            <a:r>
+              <a:rPr b="0" lang="pt-BR" sz="1800" spc="-1" strike="noStrike">
+                <a:solidFill>
+                  <a:srgbClr val="000000"/>
+                </a:solidFill>
+                <a:latin typeface="Arial"/>
+                <a:ea typeface="DejaVu Sans"/>
+              </a:rPr>
+              <a:t>	</a:t>
+            </a:r>
+            <a:r>
+              <a:rPr b="0" lang="pt-BR" sz="1800" spc="-1" strike="noStrike">
+                <a:solidFill>
+                  <a:srgbClr val="000000"/>
+                </a:solidFill>
+                <a:latin typeface="Arial"/>
+                <a:ea typeface="DejaVu Sans"/>
+              </a:rPr>
+              <a:t>	</a:t>
+            </a:r>
+            <a:r>
+              <a:rPr b="0" lang="pt-BR" sz="1800" spc="-1" strike="noStrike">
+                <a:solidFill>
+                  <a:srgbClr val="000000"/>
+                </a:solidFill>
+                <a:latin typeface="Arial"/>
+                <a:ea typeface="DejaVu Sans"/>
+              </a:rPr>
+              <a:t>	</a:t>
+            </a:r>
+            <a:r>
+              <a:rPr b="0" lang="pt-BR" sz="1800" spc="-1" strike="noStrike">
+                <a:solidFill>
+                  <a:srgbClr val="000000"/>
+                </a:solidFill>
+                <a:latin typeface="Arial"/>
+                <a:ea typeface="DejaVu Sans"/>
+              </a:rPr>
+              <a:t>	</a:t>
+            </a:r>
+            <a:r>
+              <a:rPr b="0" lang="pt-BR" sz="1800" spc="-1" strike="noStrike">
+                <a:solidFill>
+                  <a:srgbClr val="000000"/>
+                </a:solidFill>
+                <a:latin typeface="Arial"/>
+                <a:ea typeface="DejaVu Sans"/>
+              </a:rPr>
+              <a:t>	</a:t>
+            </a:r>
+            <a:r>
+              <a:rPr b="0" lang="pt-BR" sz="1800" spc="-1" strike="noStrike">
+                <a:solidFill>
+                  <a:srgbClr val="000000"/>
+                </a:solidFill>
+                <a:latin typeface="Arial"/>
+                <a:ea typeface="DejaVu Sans"/>
+              </a:rPr>
+              <a:t>2</a:t>
+            </a:r>
             <a:endParaRPr b="0" lang="pt-BR" sz="1800" spc="-1" strike="noStrike">
               <a:latin typeface="Arial"/>
             </a:endParaRPr>
@@ -3440,6 +3450,132 @@
                 <a:tab algn="l" pos="0"/>
               </a:tabLst>
             </a:pPr>
+            <a:r>
+              <a:rPr b="0" lang="pt-BR" sz="1800" spc="-1" strike="noStrike">
+                <a:solidFill>
+                  <a:srgbClr val="000000"/>
+                </a:solidFill>
+                <a:latin typeface="Arial"/>
+                <a:ea typeface="DejaVu Sans"/>
+              </a:rPr>
+              <a:t>	</a:t>
+            </a:r>
+            <a:r>
+              <a:rPr b="0" lang="pt-BR" sz="1800" spc="-1" strike="noStrike">
+                <a:solidFill>
+                  <a:srgbClr val="000000"/>
+                </a:solidFill>
+                <a:latin typeface="Arial"/>
+                <a:ea typeface="DejaVu Sans"/>
+              </a:rPr>
+              <a:t>	</a:t>
+            </a:r>
+            <a:r>
+              <a:rPr b="0" lang="pt-BR" sz="1800" spc="-1" strike="noStrike">
+                <a:solidFill>
+                  <a:srgbClr val="000000"/>
+                </a:solidFill>
+                <a:latin typeface="Arial"/>
+                <a:ea typeface="DejaVu Sans"/>
+              </a:rPr>
+              <a:t>	</a:t>
+            </a:r>
+            <a:r>
+              <a:rPr b="0" lang="pt-BR" sz="1800" spc="-1" strike="noStrike">
+                <a:solidFill>
+                  <a:srgbClr val="000000"/>
+                </a:solidFill>
+                <a:latin typeface="Arial"/>
+                <a:ea typeface="DejaVu Sans"/>
+              </a:rPr>
+              <a:t>	</a:t>
+            </a:r>
+            <a:r>
+              <a:rPr b="0" lang="pt-BR" sz="1800" spc="-1" strike="noStrike">
+                <a:solidFill>
+                  <a:srgbClr val="000000"/>
+                </a:solidFill>
+                <a:latin typeface="Arial"/>
+                <a:ea typeface="DejaVu Sans"/>
+              </a:rPr>
+              <a:t>1</a:t>
+            </a:r>
+            <a:endParaRPr b="0" lang="pt-BR" sz="1800" spc="-1" strike="noStrike">
+              <a:latin typeface="Arial"/>
+            </a:endParaRPr>
+          </a:p>
+          <a:p>
+            <a:pPr algn="just">
+              <a:lnSpc>
+                <a:spcPct val="150000"/>
+              </a:lnSpc>
+              <a:tabLst>
+                <a:tab algn="l" pos="0"/>
+              </a:tabLst>
+            </a:pPr>
+            <a:endParaRPr b="0" lang="pt-BR" sz="1800" spc="-1" strike="noStrike">
+              <a:latin typeface="Arial"/>
+            </a:endParaRPr>
+          </a:p>
+          <a:p>
+            <a:pPr algn="just">
+              <a:lnSpc>
+                <a:spcPct val="150000"/>
+              </a:lnSpc>
+              <a:tabLst>
+                <a:tab algn="l" pos="0"/>
+              </a:tabLst>
+            </a:pPr>
+            <a:r>
+              <a:rPr b="0" lang="pt-BR" sz="1800" spc="-1" strike="noStrike">
+                <a:solidFill>
+                  <a:srgbClr val="000000"/>
+                </a:solidFill>
+                <a:latin typeface="Arial"/>
+                <a:ea typeface="DejaVu Sans"/>
+              </a:rPr>
+              <a:t>	</a:t>
+            </a:r>
+            <a:r>
+              <a:rPr b="0" lang="pt-BR" sz="1800" spc="-1" strike="noStrike">
+                <a:solidFill>
+                  <a:srgbClr val="000000"/>
+                </a:solidFill>
+                <a:latin typeface="Arial"/>
+                <a:ea typeface="DejaVu Sans"/>
+              </a:rPr>
+              <a:t>	</a:t>
+            </a:r>
+            <a:r>
+              <a:rPr b="0" lang="pt-BR" sz="1800" spc="-1" strike="noStrike">
+                <a:solidFill>
+                  <a:srgbClr val="000000"/>
+                </a:solidFill>
+                <a:latin typeface="Arial"/>
+                <a:ea typeface="DejaVu Sans"/>
+              </a:rPr>
+              <a:t>	</a:t>
+            </a:r>
+            <a:r>
+              <a:rPr b="0" lang="pt-BR" sz="1800" spc="-1" strike="noStrike">
+                <a:solidFill>
+                  <a:srgbClr val="000000"/>
+                </a:solidFill>
+                <a:latin typeface="Arial"/>
+                <a:ea typeface="DejaVu Sans"/>
+              </a:rPr>
+              <a:t>	</a:t>
+            </a:r>
+            <a:r>
+              <a:rPr b="0" lang="pt-BR" sz="1800" spc="-1" strike="noStrike">
+                <a:solidFill>
+                  <a:srgbClr val="000000"/>
+                </a:solidFill>
+                <a:latin typeface="Arial"/>
+                <a:ea typeface="DejaVu Sans"/>
+              </a:rPr>
+              <a:t>2</a:t>
+            </a:r>
             <a:endParaRPr b="0" lang="pt-BR" sz="1800" spc="-1" strike="noStrike">
               <a:latin typeface="Arial"/>
             </a:endParaRPr>
@@ -3472,7 +3608,7 @@
         <p:spPr>
           <a:xfrm>
             <a:off x="9761400" y="5808600"/>
-            <a:ext cx="2402640" cy="1052640"/>
+            <a:ext cx="2402280" cy="1052280"/>
           </a:xfrm>
           <a:prstGeom prst="rect">
             <a:avLst/>
@@ -3795,7 +3931,7 @@
         <p:spPr>
           <a:xfrm>
             <a:off x="360000" y="4878360"/>
-            <a:ext cx="11159640" cy="1241280"/>
+            <a:ext cx="11159280" cy="1240920"/>
           </a:xfrm>
           <a:prstGeom prst="rect">
             <a:avLst/>
@@ -3832,7 +3968,7 @@
                 <a:latin typeface="Arial"/>
                 <a:ea typeface="DejaVu Sans"/>
               </a:rPr>
-              <a:t>O resultado da coluna da esquerda seria de 100%, e o da direita cerca de 12,5%, pois ela compararia a primeira letra da linha de cima com a primeira letra da linha de baixo diretamente, e mesmo que tenham um padrão claro, ele não pode ser analisado dessa forma.</a:t>
+              <a:t>O resultado da coluna 1 seria de 100%, e da coluna 2 cerca de 12,5%, pois ela compararia a primeira letra da linha de cima com a primeira letra da linha 2 diretamente, o que faz com que mesmo que haja um padrão perceptível, o sistema não o encontra pois está analisando estaticamente.</a:t>
             </a:r>
             <a:endParaRPr b="0" lang="pt-BR" sz="1800" spc="-1" strike="noStrike">
               <a:latin typeface="Arial"/>
@@ -3879,7 +4015,7 @@
         <p:spPr>
           <a:xfrm>
             <a:off x="0" y="6318000"/>
-            <a:ext cx="12191400" cy="539280"/>
+            <a:ext cx="12191040" cy="538920"/>
           </a:xfrm>
           <a:prstGeom prst="rect">
             <a:avLst/>
@@ -3915,7 +4051,7 @@
         <p:spPr>
           <a:xfrm>
             <a:off x="122760" y="6318000"/>
-            <a:ext cx="9939240" cy="539280"/>
+            <a:ext cx="9938880" cy="538920"/>
           </a:xfrm>
           <a:prstGeom prst="rect">
             <a:avLst/>
@@ -3966,7 +4102,7 @@
         <p:spPr>
           <a:xfrm>
             <a:off x="341280" y="-13680"/>
-            <a:ext cx="11463480" cy="3793320"/>
+            <a:ext cx="11463120" cy="3792960"/>
           </a:xfrm>
           <a:prstGeom prst="rect">
             <a:avLst/>
@@ -4070,7 +4206,7 @@
         <p:spPr>
           <a:xfrm>
             <a:off x="9761400" y="5808600"/>
-            <a:ext cx="2402640" cy="1052640"/>
+            <a:ext cx="2402280" cy="1052280"/>
           </a:xfrm>
           <a:prstGeom prst="rect">
             <a:avLst/>
@@ -4093,7 +4229,7 @@
         <p:spPr>
           <a:xfrm>
             <a:off x="5220000" y="3400920"/>
-            <a:ext cx="4503960" cy="2916720"/>
+            <a:ext cx="4503600" cy="2916360"/>
           </a:xfrm>
           <a:prstGeom prst="rect">
             <a:avLst/>
@@ -4112,7 +4248,7 @@
         <p:spPr>
           <a:xfrm>
             <a:off x="360000" y="3960000"/>
-            <a:ext cx="4679640" cy="2159640"/>
+            <a:ext cx="4679280" cy="2159280"/>
           </a:xfrm>
           <a:prstGeom prst="rect">
             <a:avLst/>
@@ -4196,7 +4332,7 @@
         <p:spPr>
           <a:xfrm>
             <a:off x="0" y="6318000"/>
-            <a:ext cx="12191400" cy="539280"/>
+            <a:ext cx="12191040" cy="538920"/>
           </a:xfrm>
           <a:prstGeom prst="rect">
             <a:avLst/>
@@ -4232,7 +4368,7 @@
         <p:spPr>
           <a:xfrm>
             <a:off x="122760" y="6318000"/>
-            <a:ext cx="9939240" cy="539280"/>
+            <a:ext cx="9938880" cy="538920"/>
           </a:xfrm>
           <a:prstGeom prst="rect">
             <a:avLst/>
@@ -4283,7 +4419,7 @@
         <p:spPr>
           <a:xfrm>
             <a:off x="341280" y="486360"/>
-            <a:ext cx="11463480" cy="4478760"/>
+            <a:ext cx="11463120" cy="4478760"/>
           </a:xfrm>
           <a:prstGeom prst="rect">
             <a:avLst/>
@@ -4502,7 +4638,7 @@
         <p:spPr>
           <a:xfrm>
             <a:off x="9761400" y="5808600"/>
-            <a:ext cx="2402640" cy="1052640"/>
+            <a:ext cx="2402280" cy="1052280"/>
           </a:xfrm>
           <a:prstGeom prst="rect">
             <a:avLst/>
@@ -4551,7 +4687,7 @@
         <p:spPr>
           <a:xfrm>
             <a:off x="0" y="6318000"/>
-            <a:ext cx="12191400" cy="539280"/>
+            <a:ext cx="12191040" cy="538920"/>
           </a:xfrm>
           <a:prstGeom prst="rect">
             <a:avLst/>
@@ -4587,7 +4723,7 @@
         <p:spPr>
           <a:xfrm>
             <a:off x="122760" y="6318000"/>
-            <a:ext cx="9939240" cy="539280"/>
+            <a:ext cx="9938880" cy="538920"/>
           </a:xfrm>
           <a:prstGeom prst="rect">
             <a:avLst/>
@@ -4638,7 +4774,7 @@
         <p:spPr>
           <a:xfrm>
             <a:off x="341280" y="486360"/>
-            <a:ext cx="11463480" cy="4478760"/>
+            <a:ext cx="11463120" cy="4478760"/>
           </a:xfrm>
           <a:prstGeom prst="rect">
             <a:avLst/>
@@ -4921,7 +5057,7 @@
         <p:spPr>
           <a:xfrm>
             <a:off x="9761400" y="5808600"/>
-            <a:ext cx="2402640" cy="1052640"/>
+            <a:ext cx="2402280" cy="1052280"/>
           </a:xfrm>
           <a:prstGeom prst="rect">
             <a:avLst/>
